--- a/Chapter 1/R from Scratch - An Intro to Data Analytics.pptx
+++ b/Chapter 1/R from Scratch - An Intro to Data Analytics.pptx
@@ -5,7 +5,7 @@
     <p:sldMasterId id="2147483660" r:id="rId1"/>
   </p:sldMasterIdLst>
   <p:notesMasterIdLst>
-    <p:notesMasterId r:id="rId27"/>
+    <p:notesMasterId r:id="rId23"/>
   </p:notesMasterIdLst>
   <p:sldIdLst>
     <p:sldId id="282" r:id="rId2"/>
@@ -28,11 +28,7 @@
     <p:sldId id="273" r:id="rId19"/>
     <p:sldId id="274" r:id="rId20"/>
     <p:sldId id="275" r:id="rId21"/>
-    <p:sldId id="276" r:id="rId22"/>
-    <p:sldId id="277" r:id="rId23"/>
-    <p:sldId id="278" r:id="rId24"/>
-    <p:sldId id="279" r:id="rId25"/>
-    <p:sldId id="280" r:id="rId26"/>
+    <p:sldId id="280" r:id="rId22"/>
   </p:sldIdLst>
   <p:sldSz cx="12192000" cy="6858000"/>
   <p:notesSz cx="6858000" cy="9144000"/>
@@ -152,7 +148,7 @@
   <pc:docChgLst>
     <pc:chgData name="JJ Jasser" userId="f40bff76-0256-4fd5-9af2-11441f8452e7" providerId="ADAL" clId="{0940DEBF-CCF6-4985-892F-58A82BAEF29F}"/>
     <pc:docChg chg="custSel addSld delSld modSld">
-      <pc:chgData name="JJ Jasser" userId="f40bff76-0256-4fd5-9af2-11441f8452e7" providerId="ADAL" clId="{0940DEBF-CCF6-4985-892F-58A82BAEF29F}" dt="2024-05-30T03:40:41.852" v="83" actId="47"/>
+      <pc:chgData name="JJ Jasser" userId="f40bff76-0256-4fd5-9af2-11441f8452e7" providerId="ADAL" clId="{0940DEBF-CCF6-4985-892F-58A82BAEF29F}" dt="2024-05-31T01:17:27.245" v="88" actId="6549"/>
       <pc:docMkLst>
         <pc:docMk/>
       </pc:docMkLst>
@@ -170,6 +166,56 @@
             <ac:picMk id="11" creationId="{A1DE3C7F-EF80-01F9-2803-ACF7BC190C76}"/>
           </ac:picMkLst>
         </pc:picChg>
+      </pc:sldChg>
+      <pc:sldChg chg="modSp mod modNotesTx">
+        <pc:chgData name="JJ Jasser" userId="f40bff76-0256-4fd5-9af2-11441f8452e7" providerId="ADAL" clId="{0940DEBF-CCF6-4985-892F-58A82BAEF29F}" dt="2024-05-31T01:16:26.534" v="86" actId="20577"/>
+        <pc:sldMkLst>
+          <pc:docMk/>
+          <pc:sldMk cId="4102883500" sldId="257"/>
+        </pc:sldMkLst>
+        <pc:spChg chg="mod">
+          <ac:chgData name="JJ Jasser" userId="f40bff76-0256-4fd5-9af2-11441f8452e7" providerId="ADAL" clId="{0940DEBF-CCF6-4985-892F-58A82BAEF29F}" dt="2024-05-31T01:16:22.024" v="84" actId="20577"/>
+          <ac:spMkLst>
+            <pc:docMk/>
+            <pc:sldMk cId="4102883500" sldId="257"/>
+            <ac:spMk id="3" creationId="{97FA84F5-A8C7-F4A5-E56E-DED4DEE71103}"/>
+          </ac:spMkLst>
+        </pc:spChg>
+      </pc:sldChg>
+      <pc:sldChg chg="del">
+        <pc:chgData name="JJ Jasser" userId="f40bff76-0256-4fd5-9af2-11441f8452e7" providerId="ADAL" clId="{0940DEBF-CCF6-4985-892F-58A82BAEF29F}" dt="2024-05-31T01:16:59.014" v="87" actId="2696"/>
+        <pc:sldMkLst>
+          <pc:docMk/>
+          <pc:sldMk cId="3668021099" sldId="276"/>
+        </pc:sldMkLst>
+      </pc:sldChg>
+      <pc:sldChg chg="del">
+        <pc:chgData name="JJ Jasser" userId="f40bff76-0256-4fd5-9af2-11441f8452e7" providerId="ADAL" clId="{0940DEBF-CCF6-4985-892F-58A82BAEF29F}" dt="2024-05-31T01:16:59.014" v="87" actId="2696"/>
+        <pc:sldMkLst>
+          <pc:docMk/>
+          <pc:sldMk cId="3200804160" sldId="277"/>
+        </pc:sldMkLst>
+      </pc:sldChg>
+      <pc:sldChg chg="del">
+        <pc:chgData name="JJ Jasser" userId="f40bff76-0256-4fd5-9af2-11441f8452e7" providerId="ADAL" clId="{0940DEBF-CCF6-4985-892F-58A82BAEF29F}" dt="2024-05-31T01:16:59.014" v="87" actId="2696"/>
+        <pc:sldMkLst>
+          <pc:docMk/>
+          <pc:sldMk cId="2638193138" sldId="278"/>
+        </pc:sldMkLst>
+      </pc:sldChg>
+      <pc:sldChg chg="del">
+        <pc:chgData name="JJ Jasser" userId="f40bff76-0256-4fd5-9af2-11441f8452e7" providerId="ADAL" clId="{0940DEBF-CCF6-4985-892F-58A82BAEF29F}" dt="2024-05-31T01:16:59.014" v="87" actId="2696"/>
+        <pc:sldMkLst>
+          <pc:docMk/>
+          <pc:sldMk cId="2335556944" sldId="279"/>
+        </pc:sldMkLst>
+      </pc:sldChg>
+      <pc:sldChg chg="modNotesTx">
+        <pc:chgData name="JJ Jasser" userId="f40bff76-0256-4fd5-9af2-11441f8452e7" providerId="ADAL" clId="{0940DEBF-CCF6-4985-892F-58A82BAEF29F}" dt="2024-05-31T01:17:27.245" v="88" actId="6549"/>
+        <pc:sldMkLst>
+          <pc:docMk/>
+          <pc:sldMk cId="3030453103" sldId="280"/>
+        </pc:sldMkLst>
       </pc:sldChg>
       <pc:sldChg chg="new del">
         <pc:chgData name="JJ Jasser" userId="f40bff76-0256-4fd5-9af2-11441f8452e7" providerId="ADAL" clId="{0940DEBF-CCF6-4985-892F-58A82BAEF29F}" dt="2024-05-30T03:40:05.324" v="2" actId="47"/>
@@ -280,7 +326,7 @@
           <a:p>
             <a:fld id="{874475A4-2DA7-44F3-BDF2-2FC8FC914279}" type="datetimeFigureOut">
               <a:rPr lang="en-US" smtClean="0"/>
-              <a:t>5/29/2024</a:t>
+              <a:t>5/30/2024</a:t>
             </a:fld>
             <a:endParaRPr lang="en-US"/>
           </a:p>
@@ -1594,11 +1640,6 @@
     * Writing Your First R Script
 * The burden of the programmer
 * Few last words
-* Exercise: Getting Comfortable with R and RStudio
-    * Exercise 1: Explore RStudio
-    * Exercise 2: Install and Load a Package
-    * Exercise 3: Use the Help Tab
-    * Exercise 4: Experiment in the Console
 </a:t>
             </a:r>
           </a:p>
@@ -1772,11 +1813,7 @@
           <a:bodyPr/>
           <a:lstStyle/>
           <a:p>
-            <a:r>
-              <a:rPr lang="en-US" dirty="0"/>
-              <a:t>In this tutorial, we will learn how to get started with RStudio. First, we will identify the different panels in RStudio, including the Console, Script Editor, Environment, and Files/Plots/Packages/Help. Next, we will customize the appearance of RStudio by going to Tools, then Global Options, and selecting Appearance. Here, we can choose a different editor theme and click Apply to see the changes.
-</a:t>
-            </a:r>
+            <a:endParaRPr lang="en-US" dirty="0"/>
           </a:p>
         </p:txBody>
       </p:sp>
@@ -1795,368 +1832,9 @@
           <a:bodyPr/>
           <a:lstStyle/>
           <a:p>
-            <a:fld id="{34832E24-1114-4EB2-A047-7D35DC5CCD52}" type="slidenum">
+            <a:fld id="{5303CFFD-AF80-434B-AA83-50C13D8AB2E3}" type="slidenum">
               <a:rPr lang="en-US" smtClean="0"/>
               <a:t>21</a:t>
-            </a:fld>
-            <a:endParaRPr lang="en-US"/>
-          </a:p>
-        </p:txBody>
-      </p:sp>
-    </p:spTree>
-    <p:extLst>
-      <p:ext uri="{BB962C8B-B14F-4D97-AF65-F5344CB8AC3E}">
-        <p14:creationId xmlns:p14="http://schemas.microsoft.com/office/powerpoint/2010/main" val="3562107984"/>
-      </p:ext>
-    </p:extLst>
-  </p:cSld>
-  <p:clrMapOvr>
-    <a:masterClrMapping/>
-  </p:clrMapOvr>
-</p:notes>
-</file>
-
-<file path=ppt/notesSlides/notesSlide22.xml><?xml version="1.0" encoding="utf-8"?>
-<p:notes xmlns:a="http://schemas.openxmlformats.org/drawingml/2006/main" xmlns:r="http://schemas.openxmlformats.org/officeDocument/2006/relationships" xmlns:p="http://schemas.openxmlformats.org/presentationml/2006/main">
-  <p:cSld>
-    <p:spTree>
-      <p:nvGrpSpPr>
-        <p:cNvPr id="1" name=""/>
-        <p:cNvGrpSpPr/>
-        <p:nvPr/>
-      </p:nvGrpSpPr>
-      <p:grpSpPr>
-        <a:xfrm>
-          <a:off x="0" y="0"/>
-          <a:ext cx="0" cy="0"/>
-          <a:chOff x="0" y="0"/>
-          <a:chExt cx="0" cy="0"/>
-        </a:xfrm>
-      </p:grpSpPr>
-      <p:sp>
-        <p:nvSpPr>
-          <p:cNvPr id="2" name="Slide Image Placeholder 1"/>
-          <p:cNvSpPr>
-            <a:spLocks noGrp="1" noRot="1" noChangeAspect="1"/>
-          </p:cNvSpPr>
-          <p:nvPr>
-            <p:ph type="sldImg"/>
-          </p:nvPr>
-        </p:nvSpPr>
-        <p:spPr/>
-      </p:sp>
-      <p:sp>
-        <p:nvSpPr>
-          <p:cNvPr id="3" name="Notes Placeholder 2"/>
-          <p:cNvSpPr>
-            <a:spLocks noGrp="1"/>
-          </p:cNvSpPr>
-          <p:nvPr>
-            <p:ph type="body" idx="1"/>
-          </p:nvPr>
-        </p:nvSpPr>
-        <p:spPr/>
-        <p:txBody>
-          <a:bodyPr/>
-          <a:lstStyle/>
-          <a:p>
-            <a:r>
-              <a:rPr lang="en-US" dirty="0"/>
-              <a:t>This slide covers the usage of the ggplot2 package in R. First, install the package separately using the console or the Packages tab. Then, load the package using the library() function. Finally, explore the Packages tab and experiment with checking and unchecking the box next to ggplot2 to observe how it loads and unloads the package.
-</a:t>
-            </a:r>
-          </a:p>
-        </p:txBody>
-      </p:sp>
-      <p:sp>
-        <p:nvSpPr>
-          <p:cNvPr id="4" name="Slide Number Placeholder 3"/>
-          <p:cNvSpPr>
-            <a:spLocks noGrp="1"/>
-          </p:cNvSpPr>
-          <p:nvPr>
-            <p:ph type="sldNum" sz="quarter" idx="5"/>
-          </p:nvPr>
-        </p:nvSpPr>
-        <p:spPr/>
-        <p:txBody>
-          <a:bodyPr/>
-          <a:lstStyle/>
-          <a:p>
-            <a:fld id="{34832E24-1114-4EB2-A047-7D35DC5CCD52}" type="slidenum">
-              <a:rPr lang="en-US" smtClean="0"/>
-              <a:t>22</a:t>
-            </a:fld>
-            <a:endParaRPr lang="en-US"/>
-          </a:p>
-        </p:txBody>
-      </p:sp>
-    </p:spTree>
-    <p:extLst>
-      <p:ext uri="{BB962C8B-B14F-4D97-AF65-F5344CB8AC3E}">
-        <p14:creationId xmlns:p14="http://schemas.microsoft.com/office/powerpoint/2010/main" val="3147129658"/>
-      </p:ext>
-    </p:extLst>
-  </p:cSld>
-  <p:clrMapOvr>
-    <a:masterClrMapping/>
-  </p:clrMapOvr>
-</p:notes>
-</file>
-
-<file path=ppt/notesSlides/notesSlide23.xml><?xml version="1.0" encoding="utf-8"?>
-<p:notes xmlns:a="http://schemas.openxmlformats.org/drawingml/2006/main" xmlns:r="http://schemas.openxmlformats.org/officeDocument/2006/relationships" xmlns:p="http://schemas.openxmlformats.org/presentationml/2006/main">
-  <p:cSld>
-    <p:spTree>
-      <p:nvGrpSpPr>
-        <p:cNvPr id="1" name=""/>
-        <p:cNvGrpSpPr/>
-        <p:nvPr/>
-      </p:nvGrpSpPr>
-      <p:grpSpPr>
-        <a:xfrm>
-          <a:off x="0" y="0"/>
-          <a:ext cx="0" cy="0"/>
-          <a:chOff x="0" y="0"/>
-          <a:chExt cx="0" cy="0"/>
-        </a:xfrm>
-      </p:grpSpPr>
-      <p:sp>
-        <p:nvSpPr>
-          <p:cNvPr id="2" name="Slide Image Placeholder 1"/>
-          <p:cNvSpPr>
-            <a:spLocks noGrp="1" noRot="1" noChangeAspect="1"/>
-          </p:cNvSpPr>
-          <p:nvPr>
-            <p:ph type="sldImg"/>
-          </p:nvPr>
-        </p:nvSpPr>
-        <p:spPr/>
-      </p:sp>
-      <p:sp>
-        <p:nvSpPr>
-          <p:cNvPr id="3" name="Notes Placeholder 2"/>
-          <p:cNvSpPr>
-            <a:spLocks noGrp="1"/>
-          </p:cNvSpPr>
-          <p:nvPr>
-            <p:ph type="body" idx="1"/>
-          </p:nvPr>
-        </p:nvSpPr>
-        <p:spPr/>
-        <p:txBody>
-          <a:bodyPr/>
-          <a:lstStyle/>
-          <a:p>
-            <a:r>
-              <a:rPr lang="en-US" dirty="0"/>
-              <a:t>To use the </a:t>
-            </a:r>
-            <a:r>
-              <a:rPr lang="en-US" dirty="0" err="1"/>
-              <a:t>ggplot</a:t>
-            </a:r>
-            <a:r>
-              <a:rPr lang="en-US" dirty="0"/>
-              <a:t>() function, first search for help using the Help tab. Then, read the documentation and examples to understand its basic usage.
-</a:t>
-            </a:r>
-          </a:p>
-        </p:txBody>
-      </p:sp>
-      <p:sp>
-        <p:nvSpPr>
-          <p:cNvPr id="4" name="Slide Number Placeholder 3"/>
-          <p:cNvSpPr>
-            <a:spLocks noGrp="1"/>
-          </p:cNvSpPr>
-          <p:nvPr>
-            <p:ph type="sldNum" sz="quarter" idx="5"/>
-          </p:nvPr>
-        </p:nvSpPr>
-        <p:spPr/>
-        <p:txBody>
-          <a:bodyPr/>
-          <a:lstStyle/>
-          <a:p>
-            <a:fld id="{34832E24-1114-4EB2-A047-7D35DC5CCD52}" type="slidenum">
-              <a:rPr lang="en-US" smtClean="0"/>
-              <a:t>23</a:t>
-            </a:fld>
-            <a:endParaRPr lang="en-US"/>
-          </a:p>
-        </p:txBody>
-      </p:sp>
-    </p:spTree>
-    <p:extLst>
-      <p:ext uri="{BB962C8B-B14F-4D97-AF65-F5344CB8AC3E}">
-        <p14:creationId xmlns:p14="http://schemas.microsoft.com/office/powerpoint/2010/main" val="350836829"/>
-      </p:ext>
-    </p:extLst>
-  </p:cSld>
-  <p:clrMapOvr>
-    <a:masterClrMapping/>
-  </p:clrMapOvr>
-</p:notes>
-</file>
-
-<file path=ppt/notesSlides/notesSlide24.xml><?xml version="1.0" encoding="utf-8"?>
-<p:notes xmlns:a="http://schemas.openxmlformats.org/drawingml/2006/main" xmlns:r="http://schemas.openxmlformats.org/officeDocument/2006/relationships" xmlns:p="http://schemas.openxmlformats.org/presentationml/2006/main">
-  <p:cSld>
-    <p:spTree>
-      <p:nvGrpSpPr>
-        <p:cNvPr id="1" name=""/>
-        <p:cNvGrpSpPr/>
-        <p:nvPr/>
-      </p:nvGrpSpPr>
-      <p:grpSpPr>
-        <a:xfrm>
-          <a:off x="0" y="0"/>
-          <a:ext cx="0" cy="0"/>
-          <a:chOff x="0" y="0"/>
-          <a:chExt cx="0" cy="0"/>
-        </a:xfrm>
-      </p:grpSpPr>
-      <p:sp>
-        <p:nvSpPr>
-          <p:cNvPr id="2" name="Slide Image Placeholder 1"/>
-          <p:cNvSpPr>
-            <a:spLocks noGrp="1" noRot="1" noChangeAspect="1"/>
-          </p:cNvSpPr>
-          <p:nvPr>
-            <p:ph type="sldImg"/>
-          </p:nvPr>
-        </p:nvSpPr>
-        <p:spPr/>
-      </p:sp>
-      <p:sp>
-        <p:nvSpPr>
-          <p:cNvPr id="3" name="Notes Placeholder 2"/>
-          <p:cNvSpPr>
-            <a:spLocks noGrp="1"/>
-          </p:cNvSpPr>
-          <p:nvPr>
-            <p:ph type="body" idx="1"/>
-          </p:nvPr>
-        </p:nvSpPr>
-        <p:spPr/>
-        <p:txBody>
-          <a:bodyPr/>
-          <a:lstStyle/>
-          <a:p>
-            <a:r>
-              <a:rPr lang="en-US" dirty="0"/>
-              <a:t>In this slide, we will go over some tips for using the RStudio console. You can perform basic arithmetic operations such as addition, multiplication, and division. You can also use the autocomplete feature to quickly find and select functions. To clear the console, you can use the broom icon or the keyboard shortcut. These tips will help you use the RStudio console more efficiently.
-</a:t>
-            </a:r>
-          </a:p>
-        </p:txBody>
-      </p:sp>
-      <p:sp>
-        <p:nvSpPr>
-          <p:cNvPr id="4" name="Slide Number Placeholder 3"/>
-          <p:cNvSpPr>
-            <a:spLocks noGrp="1"/>
-          </p:cNvSpPr>
-          <p:nvPr>
-            <p:ph type="sldNum" sz="quarter" idx="5"/>
-          </p:nvPr>
-        </p:nvSpPr>
-        <p:spPr/>
-        <p:txBody>
-          <a:bodyPr/>
-          <a:lstStyle/>
-          <a:p>
-            <a:fld id="{34832E24-1114-4EB2-A047-7D35DC5CCD52}" type="slidenum">
-              <a:rPr lang="en-US" smtClean="0"/>
-              <a:t>24</a:t>
-            </a:fld>
-            <a:endParaRPr lang="en-US"/>
-          </a:p>
-        </p:txBody>
-      </p:sp>
-    </p:spTree>
-    <p:extLst>
-      <p:ext uri="{BB962C8B-B14F-4D97-AF65-F5344CB8AC3E}">
-        <p14:creationId xmlns:p14="http://schemas.microsoft.com/office/powerpoint/2010/main" val="2722360242"/>
-      </p:ext>
-    </p:extLst>
-  </p:cSld>
-  <p:clrMapOvr>
-    <a:masterClrMapping/>
-  </p:clrMapOvr>
-</p:notes>
-</file>
-
-<file path=ppt/notesSlides/notesSlide25.xml><?xml version="1.0" encoding="utf-8"?>
-<p:notes xmlns:a="http://schemas.openxmlformats.org/drawingml/2006/main" xmlns:r="http://schemas.openxmlformats.org/officeDocument/2006/relationships" xmlns:p="http://schemas.openxmlformats.org/presentationml/2006/main">
-  <p:cSld>
-    <p:spTree>
-      <p:nvGrpSpPr>
-        <p:cNvPr id="1" name=""/>
-        <p:cNvGrpSpPr/>
-        <p:nvPr/>
-      </p:nvGrpSpPr>
-      <p:grpSpPr>
-        <a:xfrm>
-          <a:off x="0" y="0"/>
-          <a:ext cx="0" cy="0"/>
-          <a:chOff x="0" y="0"/>
-          <a:chExt cx="0" cy="0"/>
-        </a:xfrm>
-      </p:grpSpPr>
-      <p:sp>
-        <p:nvSpPr>
-          <p:cNvPr id="2" name="Slide Image Placeholder 1"/>
-          <p:cNvSpPr>
-            <a:spLocks noGrp="1" noRot="1" noChangeAspect="1"/>
-          </p:cNvSpPr>
-          <p:nvPr>
-            <p:ph type="sldImg"/>
-          </p:nvPr>
-        </p:nvSpPr>
-        <p:spPr/>
-      </p:sp>
-      <p:sp>
-        <p:nvSpPr>
-          <p:cNvPr id="3" name="Notes Placeholder 2"/>
-          <p:cNvSpPr>
-            <a:spLocks noGrp="1"/>
-          </p:cNvSpPr>
-          <p:nvPr>
-            <p:ph type="body" idx="1"/>
-          </p:nvPr>
-        </p:nvSpPr>
-        <p:spPr/>
-        <p:txBody>
-          <a:bodyPr/>
-          <a:lstStyle/>
-          <a:p>
-            <a:r>
-              <a:rPr lang="en-US"/>
-              <a:t>Congratulations! You’ve finished the presentation. We hope you’ve gained valuable insights into R programming. Remember, learning a new language takes time and practice. Keep up the good work and happy coding!</a:t>
-            </a:r>
-          </a:p>
-        </p:txBody>
-      </p:sp>
-      <p:sp>
-        <p:nvSpPr>
-          <p:cNvPr id="4" name="Slide Number Placeholder 3"/>
-          <p:cNvSpPr>
-            <a:spLocks noGrp="1"/>
-          </p:cNvSpPr>
-          <p:nvPr>
-            <p:ph type="sldNum" sz="quarter" idx="5"/>
-          </p:nvPr>
-        </p:nvSpPr>
-        <p:spPr/>
-        <p:txBody>
-          <a:bodyPr/>
-          <a:lstStyle/>
-          <a:p>
-            <a:fld id="{5303CFFD-AF80-434B-AA83-50C13D8AB2E3}" type="slidenum">
-              <a:rPr lang="en-US" smtClean="0"/>
-              <a:t>25</a:t>
             </a:fld>
             <a:endParaRPr lang="en-US"/>
           </a:p>
@@ -3027,7 +2705,7 @@
           <a:p>
             <a:fld id="{ED291B17-9318-49DB-B28B-6E5994AE9581}" type="datetime1">
               <a:rPr lang="en-US" smtClean="0"/>
-              <a:t>5/29/2024</a:t>
+              <a:t>5/30/2024</a:t>
             </a:fld>
             <a:endParaRPr lang="en-US" dirty="0"/>
           </a:p>
@@ -3230,7 +2908,7 @@
           <a:p>
             <a:fld id="{2CED4963-E985-44C4-B8C4-FDD613B7C2F8}" type="datetime1">
               <a:rPr lang="en-US" smtClean="0"/>
-              <a:t>5/29/2024</a:t>
+              <a:t>5/30/2024</a:t>
             </a:fld>
             <a:endParaRPr lang="en-US" dirty="0"/>
           </a:p>
@@ -3592,7 +3270,7 @@
           <a:p>
             <a:fld id="{ED291B17-9318-49DB-B28B-6E5994AE9581}" type="datetime1">
               <a:rPr lang="en-US" smtClean="0"/>
-              <a:t>5/29/2024</a:t>
+              <a:t>5/30/2024</a:t>
             </a:fld>
             <a:endParaRPr lang="en-US" dirty="0"/>
           </a:p>
@@ -3790,7 +3468,7 @@
           <a:p>
             <a:fld id="{78DD82B9-B8EE-4375-B6FF-88FA6ABB15D9}" type="datetime1">
               <a:rPr lang="en-US" smtClean="0"/>
-              <a:t>5/29/2024</a:t>
+              <a:t>5/30/2024</a:t>
             </a:fld>
             <a:endParaRPr lang="en-US" dirty="0"/>
           </a:p>
@@ -4102,7 +3780,7 @@
           <a:p>
             <a:fld id="{B2497495-0637-405E-AE64-5CC7506D51F5}" type="datetime1">
               <a:rPr lang="en-US" smtClean="0"/>
-              <a:t>5/29/2024</a:t>
+              <a:t>5/30/2024</a:t>
             </a:fld>
             <a:endParaRPr lang="en-US" dirty="0"/>
           </a:p>
@@ -4355,7 +4033,7 @@
           <a:p>
             <a:fld id="{7BFFD690-9426-415D-8B65-26881E07B2D4}" type="datetime1">
               <a:rPr lang="en-US" smtClean="0"/>
-              <a:t>5/29/2024</a:t>
+              <a:t>5/30/2024</a:t>
             </a:fld>
             <a:endParaRPr lang="en-US" dirty="0"/>
           </a:p>
@@ -4777,7 +4455,7 @@
           <a:p>
             <a:fld id="{04C4989A-474C-40DE-95B9-011C28B71673}" type="datetime1">
               <a:rPr lang="en-US" smtClean="0"/>
-              <a:t>5/29/2024</a:t>
+              <a:t>5/30/2024</a:t>
             </a:fld>
             <a:endParaRPr lang="en-US" dirty="0"/>
           </a:p>
@@ -4900,7 +4578,7 @@
           <a:p>
             <a:fld id="{5DB4ED54-5B5E-4A04-93D3-5772E3CE3818}" type="datetime1">
               <a:rPr lang="en-US" smtClean="0"/>
-              <a:t>5/29/2024</a:t>
+              <a:t>5/30/2024</a:t>
             </a:fld>
             <a:endParaRPr lang="en-US" dirty="0"/>
           </a:p>
@@ -4995,7 +4673,7 @@
           <a:p>
             <a:fld id="{4EDE50D6-574B-40AF-946F-D52A04ADE379}" type="datetime1">
               <a:rPr lang="en-US" smtClean="0"/>
-              <a:t>5/29/2024</a:t>
+              <a:t>5/30/2024</a:t>
             </a:fld>
             <a:endParaRPr lang="en-US" dirty="0"/>
           </a:p>
@@ -5372,7 +5050,7 @@
           <a:p>
             <a:fld id="{D82884F1-FFEA-405F-9602-3DCA865EDA4E}" type="datetime1">
               <a:rPr lang="en-US" smtClean="0"/>
-              <a:t>5/29/2024</a:t>
+              <a:t>5/30/2024</a:t>
             </a:fld>
             <a:endParaRPr lang="en-US" dirty="0"/>
           </a:p>
@@ -5665,7 +5343,7 @@
           <a:p>
             <a:fld id="{7E18DB4A-8810-4A10-AD5C-D5E2C667F5B3}" type="datetime1">
               <a:rPr lang="en-US" smtClean="0"/>
-              <a:t>5/29/2024</a:t>
+              <a:t>5/30/2024</a:t>
             </a:fld>
             <a:endParaRPr lang="en-US" dirty="0"/>
           </a:p>
@@ -5880,7 +5558,7 @@
           <a:p>
             <a:fld id="{ED291B17-9318-49DB-B28B-6E5994AE9581}" type="datetime1">
               <a:rPr lang="en-US" smtClean="0"/>
-              <a:t>5/29/2024</a:t>
+              <a:t>5/30/2024</a:t>
             </a:fld>
             <a:endParaRPr lang="en-US" dirty="0"/>
           </a:p>
@@ -12890,44 +12568,38 @@
           <a:lstStyle/>
           <a:p>
             <a:r>
-              <a:rPr lang="en-US"/>
+              <a:rPr lang="en-US" dirty="0"/>
               <a:t>Introduction</a:t>
             </a:r>
           </a:p>
           <a:p>
             <a:r>
-              <a:rPr lang="en-US"/>
+              <a:rPr lang="en-US" dirty="0"/>
               <a:t>Learning Objectives</a:t>
             </a:r>
           </a:p>
           <a:p>
             <a:r>
-              <a:rPr lang="en-US"/>
+              <a:rPr lang="en-US" dirty="0"/>
               <a:t>Important Questions</a:t>
             </a:r>
           </a:p>
           <a:p>
             <a:r>
-              <a:rPr lang="en-US"/>
+              <a:rPr lang="en-US" dirty="0"/>
               <a:t>Setting Up Your Environment</a:t>
             </a:r>
           </a:p>
           <a:p>
             <a:r>
-              <a:rPr lang="en-US"/>
+              <a:rPr lang="en-US" dirty="0"/>
               <a:t>The burden of the programmer</a:t>
             </a:r>
           </a:p>
           <a:p>
             <a:r>
-              <a:rPr lang="en-US"/>
+              <a:rPr lang="en-US" dirty="0"/>
               <a:t>Few last words</a:t>
-            </a:r>
-          </a:p>
-          <a:p>
-            <a:r>
-              <a:rPr lang="en-US"/>
-              <a:t>Exercise: Getting Comfortable with R and RStudio</a:t>
             </a:r>
           </a:p>
         </p:txBody>
@@ -13505,2044 +13177,6 @@
 </file>
 
 <file path=ppt/slides/slide21.xml><?xml version="1.0" encoding="utf-8"?>
-<p:sld xmlns:a="http://schemas.openxmlformats.org/drawingml/2006/main" xmlns:r="http://schemas.openxmlformats.org/officeDocument/2006/relationships" xmlns:p="http://schemas.openxmlformats.org/presentationml/2006/main">
-  <p:cSld>
-    <p:bg>
-      <p:bgPr>
-        <a:solidFill>
-          <a:schemeClr val="bg1"/>
-        </a:solidFill>
-        <a:effectLst/>
-      </p:bgPr>
-    </p:bg>
-    <p:spTree>
-      <p:nvGrpSpPr>
-        <p:cNvPr id="1" name=""/>
-        <p:cNvGrpSpPr/>
-        <p:nvPr/>
-      </p:nvGrpSpPr>
-      <p:grpSpPr>
-        <a:xfrm>
-          <a:off x="0" y="0"/>
-          <a:ext cx="0" cy="0"/>
-          <a:chOff x="0" y="0"/>
-          <a:chExt cx="0" cy="0"/>
-        </a:xfrm>
-      </p:grpSpPr>
-      <p:sp useBgFill="1">
-        <p:nvSpPr>
-          <p:cNvPr id="17" name="Rectangle 16">
-            <a:extLst>
-              <a:ext uri="{FF2B5EF4-FFF2-40B4-BE49-F238E27FC236}">
-                <a16:creationId xmlns:a16="http://schemas.microsoft.com/office/drawing/2014/main" id="{F858DF7D-C2D0-4B03-A7A0-2F06B789EE35}"/>
-              </a:ext>
-              <a:ext uri="{C183D7F6-B498-43B3-948B-1728B52AA6E4}">
-                <adec:decorative xmlns:adec="http://schemas.microsoft.com/office/drawing/2017/decorative" val="1"/>
-              </a:ext>
-            </a:extLst>
-          </p:cNvPr>
-          <p:cNvSpPr>
-            <a:spLocks noGrp="1" noRot="1" noChangeAspect="1" noMove="1" noResize="1" noEditPoints="1" noAdjustHandles="1" noChangeArrowheads="1" noChangeShapeType="1" noTextEdit="1"/>
-          </p:cNvSpPr>
-          <p:nvPr>
-            <p:extLst>
-              <p:ext uri="{386F3935-93C4-4BCD-93E2-E3B085C9AB24}">
-                <p16:designElem xmlns:p16="http://schemas.microsoft.com/office/powerpoint/2015/main" val="1"/>
-              </p:ext>
-            </p:extLst>
-          </p:nvPr>
-        </p:nvSpPr>
-        <p:spPr>
-          <a:xfrm>
-            <a:off x="0" y="0"/>
-            <a:ext cx="12191999" cy="6858001"/>
-          </a:xfrm>
-          <a:prstGeom prst="rect">
-            <a:avLst/>
-          </a:prstGeom>
-          <a:ln>
-            <a:noFill/>
-          </a:ln>
-        </p:spPr>
-        <p:style>
-          <a:lnRef idx="2">
-            <a:schemeClr val="accent1">
-              <a:shade val="50000"/>
-            </a:schemeClr>
-          </a:lnRef>
-          <a:fillRef idx="1">
-            <a:schemeClr val="accent1"/>
-          </a:fillRef>
-          <a:effectRef idx="0">
-            <a:schemeClr val="accent1"/>
-          </a:effectRef>
-          <a:fontRef idx="minor">
-            <a:schemeClr val="lt1"/>
-          </a:fontRef>
-        </p:style>
-        <p:txBody>
-          <a:bodyPr rtlCol="0" anchor="ctr"/>
-          <a:lstStyle/>
-          <a:p>
-            <a:pPr algn="ctr"/>
-            <a:endParaRPr lang="en-US"/>
-          </a:p>
-        </p:txBody>
-      </p:sp>
-      <p:sp>
-        <p:nvSpPr>
-          <p:cNvPr id="19" name="Rectangle 18">
-            <a:extLst>
-              <a:ext uri="{FF2B5EF4-FFF2-40B4-BE49-F238E27FC236}">
-                <a16:creationId xmlns:a16="http://schemas.microsoft.com/office/drawing/2014/main" id="{1B26B711-3121-40B0-8377-A64F3DC00C7A}"/>
-              </a:ext>
-              <a:ext uri="{C183D7F6-B498-43B3-948B-1728B52AA6E4}">
-                <adec:decorative xmlns:adec="http://schemas.microsoft.com/office/drawing/2017/decorative" val="1"/>
-              </a:ext>
-            </a:extLst>
-          </p:cNvPr>
-          <p:cNvSpPr>
-            <a:spLocks noGrp="1" noRot="1" noChangeAspect="1" noMove="1" noResize="1" noEditPoints="1" noAdjustHandles="1" noChangeArrowheads="1" noChangeShapeType="1" noTextEdit="1"/>
-          </p:cNvSpPr>
-          <p:nvPr>
-            <p:extLst>
-              <p:ext uri="{386F3935-93C4-4BCD-93E2-E3B085C9AB24}">
-                <p16:designElem xmlns:p16="http://schemas.microsoft.com/office/powerpoint/2015/main" val="1"/>
-              </p:ext>
-            </p:extLst>
-          </p:nvPr>
-        </p:nvSpPr>
-        <p:spPr>
-          <a:xfrm>
-            <a:off x="446534" y="457200"/>
-            <a:ext cx="3703320" cy="94997"/>
-          </a:xfrm>
-          <a:prstGeom prst="rect">
-            <a:avLst/>
-          </a:prstGeom>
-          <a:solidFill>
-            <a:srgbClr val="465359"/>
-          </a:solidFill>
-          <a:ln>
-            <a:noFill/>
-          </a:ln>
-          <a:effectLst/>
-        </p:spPr>
-        <p:style>
-          <a:lnRef idx="1">
-            <a:schemeClr val="accent1"/>
-          </a:lnRef>
-          <a:fillRef idx="3">
-            <a:schemeClr val="accent1"/>
-          </a:fillRef>
-          <a:effectRef idx="2">
-            <a:schemeClr val="accent1"/>
-          </a:effectRef>
-          <a:fontRef idx="minor">
-            <a:schemeClr val="lt1"/>
-          </a:fontRef>
-        </p:style>
-        <p:txBody>
-          <a:bodyPr/>
-          <a:lstStyle/>
-          <a:p>
-            <a:endParaRPr lang="en-US"/>
-          </a:p>
-        </p:txBody>
-      </p:sp>
-      <p:sp>
-        <p:nvSpPr>
-          <p:cNvPr id="21" name="Rectangle 20">
-            <a:extLst>
-              <a:ext uri="{FF2B5EF4-FFF2-40B4-BE49-F238E27FC236}">
-                <a16:creationId xmlns:a16="http://schemas.microsoft.com/office/drawing/2014/main" id="{645C4D3D-ABBA-4B4E-93E5-01E343719849}"/>
-              </a:ext>
-              <a:ext uri="{C183D7F6-B498-43B3-948B-1728B52AA6E4}">
-                <adec:decorative xmlns:adec="http://schemas.microsoft.com/office/drawing/2017/decorative" val="1"/>
-              </a:ext>
-            </a:extLst>
-          </p:cNvPr>
-          <p:cNvSpPr>
-            <a:spLocks noGrp="1" noRot="1" noChangeAspect="1" noMove="1" noResize="1" noEditPoints="1" noAdjustHandles="1" noChangeArrowheads="1" noChangeShapeType="1" noTextEdit="1"/>
-          </p:cNvSpPr>
-          <p:nvPr>
-            <p:extLst>
-              <p:ext uri="{386F3935-93C4-4BCD-93E2-E3B085C9AB24}">
-                <p16:designElem xmlns:p16="http://schemas.microsoft.com/office/powerpoint/2015/main" val="1"/>
-              </p:ext>
-            </p:extLst>
-          </p:nvPr>
-        </p:nvSpPr>
-        <p:spPr>
-          <a:xfrm>
-            <a:off x="4241830" y="457200"/>
-            <a:ext cx="3703320" cy="91440"/>
-          </a:xfrm>
-          <a:prstGeom prst="rect">
-            <a:avLst/>
-          </a:prstGeom>
-          <a:solidFill>
-            <a:schemeClr val="accent1"/>
-          </a:solidFill>
-          <a:ln>
-            <a:noFill/>
-          </a:ln>
-          <a:effectLst/>
-        </p:spPr>
-        <p:style>
-          <a:lnRef idx="1">
-            <a:schemeClr val="accent1"/>
-          </a:lnRef>
-          <a:fillRef idx="3">
-            <a:schemeClr val="accent1"/>
-          </a:fillRef>
-          <a:effectRef idx="2">
-            <a:schemeClr val="accent1"/>
-          </a:effectRef>
-          <a:fontRef idx="minor">
-            <a:schemeClr val="lt1"/>
-          </a:fontRef>
-        </p:style>
-        <p:txBody>
-          <a:bodyPr/>
-          <a:lstStyle/>
-          <a:p>
-            <a:endParaRPr lang="en-US"/>
-          </a:p>
-        </p:txBody>
-      </p:sp>
-      <p:sp>
-        <p:nvSpPr>
-          <p:cNvPr id="23" name="Rectangle 22">
-            <a:extLst>
-              <a:ext uri="{FF2B5EF4-FFF2-40B4-BE49-F238E27FC236}">
-                <a16:creationId xmlns:a16="http://schemas.microsoft.com/office/drawing/2014/main" id="{98DDD5E5-0097-4C6C-B266-5732EDA96CC4}"/>
-              </a:ext>
-              <a:ext uri="{C183D7F6-B498-43B3-948B-1728B52AA6E4}">
-                <adec:decorative xmlns:adec="http://schemas.microsoft.com/office/drawing/2017/decorative" val="1"/>
-              </a:ext>
-            </a:extLst>
-          </p:cNvPr>
-          <p:cNvSpPr>
-            <a:spLocks noGrp="1" noRot="1" noChangeAspect="1" noMove="1" noResize="1" noEditPoints="1" noAdjustHandles="1" noChangeArrowheads="1" noChangeShapeType="1" noTextEdit="1"/>
-          </p:cNvSpPr>
-          <p:nvPr>
-            <p:extLst>
-              <p:ext uri="{386F3935-93C4-4BCD-93E2-E3B085C9AB24}">
-                <p16:designElem xmlns:p16="http://schemas.microsoft.com/office/powerpoint/2015/main" val="1"/>
-              </p:ext>
-            </p:extLst>
-          </p:nvPr>
-        </p:nvSpPr>
-        <p:spPr>
-          <a:xfrm>
-            <a:off x="8042147" y="453643"/>
-            <a:ext cx="3703320" cy="98554"/>
-          </a:xfrm>
-          <a:prstGeom prst="rect">
-            <a:avLst/>
-          </a:prstGeom>
-          <a:solidFill>
-            <a:srgbClr val="969FA7"/>
-          </a:solidFill>
-          <a:ln>
-            <a:noFill/>
-          </a:ln>
-          <a:effectLst/>
-        </p:spPr>
-        <p:style>
-          <a:lnRef idx="1">
-            <a:schemeClr val="accent1"/>
-          </a:lnRef>
-          <a:fillRef idx="3">
-            <a:schemeClr val="accent1"/>
-          </a:fillRef>
-          <a:effectRef idx="2">
-            <a:schemeClr val="accent1"/>
-          </a:effectRef>
-          <a:fontRef idx="minor">
-            <a:schemeClr val="lt1"/>
-          </a:fontRef>
-        </p:style>
-        <p:txBody>
-          <a:bodyPr/>
-          <a:lstStyle/>
-          <a:p>
-            <a:endParaRPr lang="en-US"/>
-          </a:p>
-        </p:txBody>
-      </p:sp>
-      <p:sp>
-        <p:nvSpPr>
-          <p:cNvPr id="25" name="Rectangle 24">
-            <a:extLst>
-              <a:ext uri="{FF2B5EF4-FFF2-40B4-BE49-F238E27FC236}">
-                <a16:creationId xmlns:a16="http://schemas.microsoft.com/office/drawing/2014/main" id="{8952EF87-C74F-4D3F-9CAD-EEA1733C9BD0}"/>
-              </a:ext>
-              <a:ext uri="{C183D7F6-B498-43B3-948B-1728B52AA6E4}">
-                <adec:decorative xmlns:adec="http://schemas.microsoft.com/office/drawing/2017/decorative" val="1"/>
-              </a:ext>
-            </a:extLst>
-          </p:cNvPr>
-          <p:cNvSpPr>
-            <a:spLocks noGrp="1" noRot="1" noChangeAspect="1" noMove="1" noResize="1" noEditPoints="1" noAdjustHandles="1" noChangeArrowheads="1" noChangeShapeType="1" noTextEdit="1"/>
-          </p:cNvSpPr>
-          <p:nvPr>
-            <p:extLst>
-              <p:ext uri="{386F3935-93C4-4BCD-93E2-E3B085C9AB24}">
-                <p16:designElem xmlns:p16="http://schemas.microsoft.com/office/powerpoint/2015/main" val="1"/>
-              </p:ext>
-            </p:extLst>
-          </p:nvPr>
-        </p:nvSpPr>
-        <p:spPr>
-          <a:xfrm>
-            <a:off x="446534" y="597643"/>
-            <a:ext cx="3703320" cy="5792922"/>
-          </a:xfrm>
-          <a:prstGeom prst="rect">
-            <a:avLst/>
-          </a:prstGeom>
-          <a:solidFill>
-            <a:srgbClr val="465359"/>
-          </a:solidFill>
-          <a:ln>
-            <a:noFill/>
-          </a:ln>
-          <a:effectLst/>
-        </p:spPr>
-        <p:style>
-          <a:lnRef idx="1">
-            <a:schemeClr val="accent1"/>
-          </a:lnRef>
-          <a:fillRef idx="3">
-            <a:schemeClr val="accent1"/>
-          </a:fillRef>
-          <a:effectRef idx="2">
-            <a:schemeClr val="accent1"/>
-          </a:effectRef>
-          <a:fontRef idx="minor">
-            <a:schemeClr val="lt1"/>
-          </a:fontRef>
-        </p:style>
-        <p:txBody>
-          <a:bodyPr/>
-          <a:lstStyle/>
-          <a:p>
-            <a:endParaRPr lang="en-US"/>
-          </a:p>
-        </p:txBody>
-      </p:sp>
-      <p:sp>
-        <p:nvSpPr>
-          <p:cNvPr id="2" name="Title 1">
-            <a:extLst>
-              <a:ext uri="{FF2B5EF4-FFF2-40B4-BE49-F238E27FC236}">
-                <a16:creationId xmlns:a16="http://schemas.microsoft.com/office/drawing/2014/main" id="{3C664D53-1031-2F63-6BE0-0F3552281384}"/>
-              </a:ext>
-            </a:extLst>
-          </p:cNvPr>
-          <p:cNvSpPr>
-            <a:spLocks noGrp="1"/>
-          </p:cNvSpPr>
-          <p:nvPr>
-            <p:ph type="title"/>
-          </p:nvPr>
-        </p:nvSpPr>
-        <p:spPr>
-          <a:xfrm>
-            <a:off x="771148" y="1037967"/>
-            <a:ext cx="3054091" cy="4709131"/>
-          </a:xfrm>
-        </p:spPr>
-        <p:txBody>
-          <a:bodyPr anchor="ctr">
-            <a:normAutofit/>
-          </a:bodyPr>
-          <a:lstStyle/>
-          <a:p>
-            <a:r>
-              <a:rPr lang="en-US">
-                <a:solidFill>
-                  <a:srgbClr val="FFFEFF"/>
-                </a:solidFill>
-              </a:rPr>
-              <a:t>Exercise 1: Explore RStudio</a:t>
-            </a:r>
-          </a:p>
-        </p:txBody>
-      </p:sp>
-      <p:sp>
-        <p:nvSpPr>
-          <p:cNvPr id="3" name="Content Placeholder 2">
-            <a:extLst>
-              <a:ext uri="{FF2B5EF4-FFF2-40B4-BE49-F238E27FC236}">
-                <a16:creationId xmlns:a16="http://schemas.microsoft.com/office/drawing/2014/main" id="{533E42A6-9FD4-0A74-BBBA-BC73C1CC407B}"/>
-              </a:ext>
-            </a:extLst>
-          </p:cNvPr>
-          <p:cNvSpPr>
-            <a:spLocks noGrp="1"/>
-          </p:cNvSpPr>
-          <p:nvPr>
-            <p:ph idx="1"/>
-          </p:nvPr>
-        </p:nvSpPr>
-        <p:spPr>
-          <a:xfrm>
-            <a:off x="4534935" y="1037968"/>
-            <a:ext cx="6725899" cy="4820832"/>
-          </a:xfrm>
-        </p:spPr>
-        <p:txBody>
-          <a:bodyPr>
-            <a:normAutofit/>
-          </a:bodyPr>
-          <a:lstStyle/>
-          <a:p>
-            <a:r>
-              <a:rPr lang="en-US"/>
-              <a:t>Identify RStudio Panels</a:t>
-            </a:r>
-          </a:p>
-          <a:p>
-            <a:pPr lvl="1"/>
-            <a:r>
-              <a:rPr lang="en-US"/>
-              <a:t>Console, Script Editor, Environment, and Files/Plots/Packages/Help</a:t>
-            </a:r>
-          </a:p>
-          <a:p>
-            <a:r>
-              <a:rPr lang="en-US"/>
-              <a:t>Customize Appearance</a:t>
-            </a:r>
-          </a:p>
-          <a:p>
-            <a:pPr lvl="1"/>
-            <a:r>
-              <a:rPr lang="en-US"/>
-              <a:t>Go to Tools &gt; Global Options &gt; Appearance</a:t>
-            </a:r>
-          </a:p>
-          <a:p>
-            <a:pPr lvl="1"/>
-            <a:r>
-              <a:rPr lang="en-US"/>
-              <a:t>Choose a different editor theme and click Apply</a:t>
-            </a:r>
-          </a:p>
-        </p:txBody>
-      </p:sp>
-    </p:spTree>
-    <p:extLst>
-      <p:ext uri="{BB962C8B-B14F-4D97-AF65-F5344CB8AC3E}">
-        <p14:creationId xmlns:p14="http://schemas.microsoft.com/office/powerpoint/2010/main" val="3668021099"/>
-      </p:ext>
-    </p:extLst>
-  </p:cSld>
-  <p:clrMapOvr>
-    <a:masterClrMapping/>
-  </p:clrMapOvr>
-</p:sld>
-</file>
-
-<file path=ppt/slides/slide22.xml><?xml version="1.0" encoding="utf-8"?>
-<p:sld xmlns:a="http://schemas.openxmlformats.org/drawingml/2006/main" xmlns:r="http://schemas.openxmlformats.org/officeDocument/2006/relationships" xmlns:p="http://schemas.openxmlformats.org/presentationml/2006/main">
-  <p:cSld>
-    <p:bg>
-      <p:bgPr>
-        <a:solidFill>
-          <a:schemeClr val="bg1"/>
-        </a:solidFill>
-        <a:effectLst/>
-      </p:bgPr>
-    </p:bg>
-    <p:spTree>
-      <p:nvGrpSpPr>
-        <p:cNvPr id="1" name=""/>
-        <p:cNvGrpSpPr/>
-        <p:nvPr/>
-      </p:nvGrpSpPr>
-      <p:grpSpPr>
-        <a:xfrm>
-          <a:off x="0" y="0"/>
-          <a:ext cx="0" cy="0"/>
-          <a:chOff x="0" y="0"/>
-          <a:chExt cx="0" cy="0"/>
-        </a:xfrm>
-      </p:grpSpPr>
-      <p:sp useBgFill="1">
-        <p:nvSpPr>
-          <p:cNvPr id="8" name="Rectangle 7">
-            <a:extLst>
-              <a:ext uri="{FF2B5EF4-FFF2-40B4-BE49-F238E27FC236}">
-                <a16:creationId xmlns:a16="http://schemas.microsoft.com/office/drawing/2014/main" id="{F858DF7D-C2D0-4B03-A7A0-2F06B789EE35}"/>
-              </a:ext>
-              <a:ext uri="{C183D7F6-B498-43B3-948B-1728B52AA6E4}">
-                <adec:decorative xmlns:adec="http://schemas.microsoft.com/office/drawing/2017/decorative" val="1"/>
-              </a:ext>
-            </a:extLst>
-          </p:cNvPr>
-          <p:cNvSpPr>
-            <a:spLocks noGrp="1" noRot="1" noChangeAspect="1" noMove="1" noResize="1" noEditPoints="1" noAdjustHandles="1" noChangeArrowheads="1" noChangeShapeType="1" noTextEdit="1"/>
-          </p:cNvSpPr>
-          <p:nvPr>
-            <p:extLst>
-              <p:ext uri="{386F3935-93C4-4BCD-93E2-E3B085C9AB24}">
-                <p16:designElem xmlns:p16="http://schemas.microsoft.com/office/powerpoint/2015/main" val="1"/>
-              </p:ext>
-            </p:extLst>
-          </p:nvPr>
-        </p:nvSpPr>
-        <p:spPr>
-          <a:xfrm>
-            <a:off x="0" y="0"/>
-            <a:ext cx="12191999" cy="6858001"/>
-          </a:xfrm>
-          <a:prstGeom prst="rect">
-            <a:avLst/>
-          </a:prstGeom>
-          <a:ln>
-            <a:noFill/>
-          </a:ln>
-        </p:spPr>
-        <p:style>
-          <a:lnRef idx="2">
-            <a:schemeClr val="accent1">
-              <a:shade val="50000"/>
-            </a:schemeClr>
-          </a:lnRef>
-          <a:fillRef idx="1">
-            <a:schemeClr val="accent1"/>
-          </a:fillRef>
-          <a:effectRef idx="0">
-            <a:schemeClr val="accent1"/>
-          </a:effectRef>
-          <a:fontRef idx="minor">
-            <a:schemeClr val="lt1"/>
-          </a:fontRef>
-        </p:style>
-        <p:txBody>
-          <a:bodyPr rtlCol="0" anchor="ctr"/>
-          <a:lstStyle/>
-          <a:p>
-            <a:pPr algn="ctr"/>
-            <a:endParaRPr lang="en-US"/>
-          </a:p>
-        </p:txBody>
-      </p:sp>
-      <p:sp>
-        <p:nvSpPr>
-          <p:cNvPr id="10" name="Rectangle 9">
-            <a:extLst>
-              <a:ext uri="{FF2B5EF4-FFF2-40B4-BE49-F238E27FC236}">
-                <a16:creationId xmlns:a16="http://schemas.microsoft.com/office/drawing/2014/main" id="{1B26B711-3121-40B0-8377-A64F3DC00C7A}"/>
-              </a:ext>
-              <a:ext uri="{C183D7F6-B498-43B3-948B-1728B52AA6E4}">
-                <adec:decorative xmlns:adec="http://schemas.microsoft.com/office/drawing/2017/decorative" val="1"/>
-              </a:ext>
-            </a:extLst>
-          </p:cNvPr>
-          <p:cNvSpPr>
-            <a:spLocks noGrp="1" noRot="1" noChangeAspect="1" noMove="1" noResize="1" noEditPoints="1" noAdjustHandles="1" noChangeArrowheads="1" noChangeShapeType="1" noTextEdit="1"/>
-          </p:cNvSpPr>
-          <p:nvPr>
-            <p:extLst>
-              <p:ext uri="{386F3935-93C4-4BCD-93E2-E3B085C9AB24}">
-                <p16:designElem xmlns:p16="http://schemas.microsoft.com/office/powerpoint/2015/main" val="1"/>
-              </p:ext>
-            </p:extLst>
-          </p:nvPr>
-        </p:nvSpPr>
-        <p:spPr>
-          <a:xfrm>
-            <a:off x="446534" y="457200"/>
-            <a:ext cx="3703320" cy="94997"/>
-          </a:xfrm>
-          <a:prstGeom prst="rect">
-            <a:avLst/>
-          </a:prstGeom>
-          <a:solidFill>
-            <a:srgbClr val="465359"/>
-          </a:solidFill>
-          <a:ln>
-            <a:noFill/>
-          </a:ln>
-          <a:effectLst/>
-        </p:spPr>
-        <p:style>
-          <a:lnRef idx="1">
-            <a:schemeClr val="accent1"/>
-          </a:lnRef>
-          <a:fillRef idx="3">
-            <a:schemeClr val="accent1"/>
-          </a:fillRef>
-          <a:effectRef idx="2">
-            <a:schemeClr val="accent1"/>
-          </a:effectRef>
-          <a:fontRef idx="minor">
-            <a:schemeClr val="lt1"/>
-          </a:fontRef>
-        </p:style>
-        <p:txBody>
-          <a:bodyPr/>
-          <a:lstStyle/>
-          <a:p>
-            <a:endParaRPr lang="en-US"/>
-          </a:p>
-        </p:txBody>
-      </p:sp>
-      <p:sp>
-        <p:nvSpPr>
-          <p:cNvPr id="12" name="Rectangle 11">
-            <a:extLst>
-              <a:ext uri="{FF2B5EF4-FFF2-40B4-BE49-F238E27FC236}">
-                <a16:creationId xmlns:a16="http://schemas.microsoft.com/office/drawing/2014/main" id="{645C4D3D-ABBA-4B4E-93E5-01E343719849}"/>
-              </a:ext>
-              <a:ext uri="{C183D7F6-B498-43B3-948B-1728B52AA6E4}">
-                <adec:decorative xmlns:adec="http://schemas.microsoft.com/office/drawing/2017/decorative" val="1"/>
-              </a:ext>
-            </a:extLst>
-          </p:cNvPr>
-          <p:cNvSpPr>
-            <a:spLocks noGrp="1" noRot="1" noChangeAspect="1" noMove="1" noResize="1" noEditPoints="1" noAdjustHandles="1" noChangeArrowheads="1" noChangeShapeType="1" noTextEdit="1"/>
-          </p:cNvSpPr>
-          <p:nvPr>
-            <p:extLst>
-              <p:ext uri="{386F3935-93C4-4BCD-93E2-E3B085C9AB24}">
-                <p16:designElem xmlns:p16="http://schemas.microsoft.com/office/powerpoint/2015/main" val="1"/>
-              </p:ext>
-            </p:extLst>
-          </p:nvPr>
-        </p:nvSpPr>
-        <p:spPr>
-          <a:xfrm>
-            <a:off x="4241830" y="457200"/>
-            <a:ext cx="3703320" cy="91440"/>
-          </a:xfrm>
-          <a:prstGeom prst="rect">
-            <a:avLst/>
-          </a:prstGeom>
-          <a:solidFill>
-            <a:schemeClr val="accent1"/>
-          </a:solidFill>
-          <a:ln>
-            <a:noFill/>
-          </a:ln>
-          <a:effectLst/>
-        </p:spPr>
-        <p:style>
-          <a:lnRef idx="1">
-            <a:schemeClr val="accent1"/>
-          </a:lnRef>
-          <a:fillRef idx="3">
-            <a:schemeClr val="accent1"/>
-          </a:fillRef>
-          <a:effectRef idx="2">
-            <a:schemeClr val="accent1"/>
-          </a:effectRef>
-          <a:fontRef idx="minor">
-            <a:schemeClr val="lt1"/>
-          </a:fontRef>
-        </p:style>
-        <p:txBody>
-          <a:bodyPr/>
-          <a:lstStyle/>
-          <a:p>
-            <a:endParaRPr lang="en-US"/>
-          </a:p>
-        </p:txBody>
-      </p:sp>
-      <p:sp>
-        <p:nvSpPr>
-          <p:cNvPr id="14" name="Rectangle 13">
-            <a:extLst>
-              <a:ext uri="{FF2B5EF4-FFF2-40B4-BE49-F238E27FC236}">
-                <a16:creationId xmlns:a16="http://schemas.microsoft.com/office/drawing/2014/main" id="{98DDD5E5-0097-4C6C-B266-5732EDA96CC4}"/>
-              </a:ext>
-              <a:ext uri="{C183D7F6-B498-43B3-948B-1728B52AA6E4}">
-                <adec:decorative xmlns:adec="http://schemas.microsoft.com/office/drawing/2017/decorative" val="1"/>
-              </a:ext>
-            </a:extLst>
-          </p:cNvPr>
-          <p:cNvSpPr>
-            <a:spLocks noGrp="1" noRot="1" noChangeAspect="1" noMove="1" noResize="1" noEditPoints="1" noAdjustHandles="1" noChangeArrowheads="1" noChangeShapeType="1" noTextEdit="1"/>
-          </p:cNvSpPr>
-          <p:nvPr>
-            <p:extLst>
-              <p:ext uri="{386F3935-93C4-4BCD-93E2-E3B085C9AB24}">
-                <p16:designElem xmlns:p16="http://schemas.microsoft.com/office/powerpoint/2015/main" val="1"/>
-              </p:ext>
-            </p:extLst>
-          </p:nvPr>
-        </p:nvSpPr>
-        <p:spPr>
-          <a:xfrm>
-            <a:off x="8042147" y="453643"/>
-            <a:ext cx="3703320" cy="98554"/>
-          </a:xfrm>
-          <a:prstGeom prst="rect">
-            <a:avLst/>
-          </a:prstGeom>
-          <a:solidFill>
-            <a:srgbClr val="969FA7"/>
-          </a:solidFill>
-          <a:ln>
-            <a:noFill/>
-          </a:ln>
-          <a:effectLst/>
-        </p:spPr>
-        <p:style>
-          <a:lnRef idx="1">
-            <a:schemeClr val="accent1"/>
-          </a:lnRef>
-          <a:fillRef idx="3">
-            <a:schemeClr val="accent1"/>
-          </a:fillRef>
-          <a:effectRef idx="2">
-            <a:schemeClr val="accent1"/>
-          </a:effectRef>
-          <a:fontRef idx="minor">
-            <a:schemeClr val="lt1"/>
-          </a:fontRef>
-        </p:style>
-        <p:txBody>
-          <a:bodyPr/>
-          <a:lstStyle/>
-          <a:p>
-            <a:endParaRPr lang="en-US"/>
-          </a:p>
-        </p:txBody>
-      </p:sp>
-      <p:sp>
-        <p:nvSpPr>
-          <p:cNvPr id="16" name="Rectangle 15">
-            <a:extLst>
-              <a:ext uri="{FF2B5EF4-FFF2-40B4-BE49-F238E27FC236}">
-                <a16:creationId xmlns:a16="http://schemas.microsoft.com/office/drawing/2014/main" id="{8952EF87-C74F-4D3F-9CAD-EEA1733C9BD0}"/>
-              </a:ext>
-              <a:ext uri="{C183D7F6-B498-43B3-948B-1728B52AA6E4}">
-                <adec:decorative xmlns:adec="http://schemas.microsoft.com/office/drawing/2017/decorative" val="1"/>
-              </a:ext>
-            </a:extLst>
-          </p:cNvPr>
-          <p:cNvSpPr>
-            <a:spLocks noGrp="1" noRot="1" noChangeAspect="1" noMove="1" noResize="1" noEditPoints="1" noAdjustHandles="1" noChangeArrowheads="1" noChangeShapeType="1" noTextEdit="1"/>
-          </p:cNvSpPr>
-          <p:nvPr>
-            <p:extLst>
-              <p:ext uri="{386F3935-93C4-4BCD-93E2-E3B085C9AB24}">
-                <p16:designElem xmlns:p16="http://schemas.microsoft.com/office/powerpoint/2015/main" val="1"/>
-              </p:ext>
-            </p:extLst>
-          </p:nvPr>
-        </p:nvSpPr>
-        <p:spPr>
-          <a:xfrm>
-            <a:off x="446534" y="597643"/>
-            <a:ext cx="3703320" cy="5792922"/>
-          </a:xfrm>
-          <a:prstGeom prst="rect">
-            <a:avLst/>
-          </a:prstGeom>
-          <a:solidFill>
-            <a:srgbClr val="465359"/>
-          </a:solidFill>
-          <a:ln>
-            <a:noFill/>
-          </a:ln>
-          <a:effectLst/>
-        </p:spPr>
-        <p:style>
-          <a:lnRef idx="1">
-            <a:schemeClr val="accent1"/>
-          </a:lnRef>
-          <a:fillRef idx="3">
-            <a:schemeClr val="accent1"/>
-          </a:fillRef>
-          <a:effectRef idx="2">
-            <a:schemeClr val="accent1"/>
-          </a:effectRef>
-          <a:fontRef idx="minor">
-            <a:schemeClr val="lt1"/>
-          </a:fontRef>
-        </p:style>
-        <p:txBody>
-          <a:bodyPr/>
-          <a:lstStyle/>
-          <a:p>
-            <a:endParaRPr lang="en-US"/>
-          </a:p>
-        </p:txBody>
-      </p:sp>
-      <p:sp>
-        <p:nvSpPr>
-          <p:cNvPr id="2" name="Title 1">
-            <a:extLst>
-              <a:ext uri="{FF2B5EF4-FFF2-40B4-BE49-F238E27FC236}">
-                <a16:creationId xmlns:a16="http://schemas.microsoft.com/office/drawing/2014/main" id="{6B858D81-6D95-2764-7DD5-679C7C12B257}"/>
-              </a:ext>
-            </a:extLst>
-          </p:cNvPr>
-          <p:cNvSpPr>
-            <a:spLocks noGrp="1"/>
-          </p:cNvSpPr>
-          <p:nvPr>
-            <p:ph type="title"/>
-          </p:nvPr>
-        </p:nvSpPr>
-        <p:spPr>
-          <a:xfrm>
-            <a:off x="771148" y="1037967"/>
-            <a:ext cx="3054091" cy="4709131"/>
-          </a:xfrm>
-        </p:spPr>
-        <p:txBody>
-          <a:bodyPr anchor="ctr">
-            <a:normAutofit/>
-          </a:bodyPr>
-          <a:lstStyle/>
-          <a:p>
-            <a:r>
-              <a:rPr lang="en-US">
-                <a:solidFill>
-                  <a:srgbClr val="FFFEFF"/>
-                </a:solidFill>
-              </a:rPr>
-              <a:t>Exercise 2: Install and Load a Package</a:t>
-            </a:r>
-          </a:p>
-        </p:txBody>
-      </p:sp>
-      <p:sp>
-        <p:nvSpPr>
-          <p:cNvPr id="3" name="Content Placeholder 2">
-            <a:extLst>
-              <a:ext uri="{FF2B5EF4-FFF2-40B4-BE49-F238E27FC236}">
-                <a16:creationId xmlns:a16="http://schemas.microsoft.com/office/drawing/2014/main" id="{518B2F2B-0B2F-9E61-9D04-FCD111C32633}"/>
-              </a:ext>
-            </a:extLst>
-          </p:cNvPr>
-          <p:cNvSpPr>
-            <a:spLocks noGrp="1"/>
-          </p:cNvSpPr>
-          <p:nvPr>
-            <p:ph idx="1"/>
-          </p:nvPr>
-        </p:nvSpPr>
-        <p:spPr>
-          <a:xfrm>
-            <a:off x="4534935" y="1037968"/>
-            <a:ext cx="6725899" cy="4820832"/>
-          </a:xfrm>
-        </p:spPr>
-        <p:txBody>
-          <a:bodyPr>
-            <a:normAutofit/>
-          </a:bodyPr>
-          <a:lstStyle/>
-          <a:p>
-            <a:r>
-              <a:rPr lang="en-US"/>
-              <a:t>Installation of ggplot2 Package</a:t>
-            </a:r>
-          </a:p>
-          <a:p>
-            <a:pPr lvl="1"/>
-            <a:r>
-              <a:rPr lang="en-US"/>
-              <a:t>Install separately using console or Packages tab</a:t>
-            </a:r>
-          </a:p>
-          <a:p>
-            <a:r>
-              <a:rPr lang="en-US"/>
-              <a:t>Loading ggplot2 Package</a:t>
-            </a:r>
-          </a:p>
-          <a:p>
-            <a:pPr lvl="1"/>
-            <a:r>
-              <a:rPr lang="en-US"/>
-              <a:t>Use library() function to load after installation</a:t>
-            </a:r>
-          </a:p>
-          <a:p>
-            <a:r>
-              <a:rPr lang="en-US"/>
-              <a:t>Exploring Packages Tab</a:t>
-            </a:r>
-          </a:p>
-          <a:p>
-            <a:pPr lvl="1"/>
-            <a:r>
-              <a:rPr lang="en-US"/>
-              <a:t>Locate ggplot2 in list and experiment with checking/unchecking box</a:t>
-            </a:r>
-          </a:p>
-          <a:p>
-            <a:pPr lvl="1"/>
-            <a:r>
-              <a:rPr lang="en-US"/>
-              <a:t>Observe how checking/unchecking loads/unloads package</a:t>
-            </a:r>
-          </a:p>
-        </p:txBody>
-      </p:sp>
-    </p:spTree>
-    <p:extLst>
-      <p:ext uri="{BB962C8B-B14F-4D97-AF65-F5344CB8AC3E}">
-        <p14:creationId xmlns:p14="http://schemas.microsoft.com/office/powerpoint/2010/main" val="3200804160"/>
-      </p:ext>
-    </p:extLst>
-  </p:cSld>
-  <p:clrMapOvr>
-    <a:masterClrMapping/>
-  </p:clrMapOvr>
-</p:sld>
-</file>
-
-<file path=ppt/slides/slide23.xml><?xml version="1.0" encoding="utf-8"?>
-<p:sld xmlns:a="http://schemas.openxmlformats.org/drawingml/2006/main" xmlns:r="http://schemas.openxmlformats.org/officeDocument/2006/relationships" xmlns:p="http://schemas.openxmlformats.org/presentationml/2006/main">
-  <p:cSld>
-    <p:bg>
-      <p:bgPr>
-        <a:solidFill>
-          <a:schemeClr val="bg2"/>
-        </a:solidFill>
-        <a:effectLst/>
-      </p:bgPr>
-    </p:bg>
-    <p:spTree>
-      <p:nvGrpSpPr>
-        <p:cNvPr id="1" name=""/>
-        <p:cNvGrpSpPr/>
-        <p:nvPr/>
-      </p:nvGrpSpPr>
-      <p:grpSpPr>
-        <a:xfrm>
-          <a:off x="0" y="0"/>
-          <a:ext cx="0" cy="0"/>
-          <a:chOff x="0" y="0"/>
-          <a:chExt cx="0" cy="0"/>
-        </a:xfrm>
-      </p:grpSpPr>
-      <p:sp>
-        <p:nvSpPr>
-          <p:cNvPr id="10" name="Rectangle 9">
-            <a:extLst>
-              <a:ext uri="{FF2B5EF4-FFF2-40B4-BE49-F238E27FC236}">
-                <a16:creationId xmlns:a16="http://schemas.microsoft.com/office/drawing/2014/main" id="{E6C8E6EB-4C59-429B-97E4-72A058CFC4FB}"/>
-              </a:ext>
-              <a:ext uri="{C183D7F6-B498-43B3-948B-1728B52AA6E4}">
-                <adec:decorative xmlns:adec="http://schemas.microsoft.com/office/drawing/2017/decorative" val="1"/>
-              </a:ext>
-            </a:extLst>
-          </p:cNvPr>
-          <p:cNvSpPr>
-            <a:spLocks noGrp="1" noRot="1" noChangeAspect="1" noMove="1" noResize="1" noEditPoints="1" noAdjustHandles="1" noChangeArrowheads="1" noChangeShapeType="1" noTextEdit="1"/>
-          </p:cNvSpPr>
-          <p:nvPr>
-            <p:extLst>
-              <p:ext uri="{386F3935-93C4-4BCD-93E2-E3B085C9AB24}">
-                <p16:designElem xmlns:p16="http://schemas.microsoft.com/office/powerpoint/2015/main" val="1"/>
-              </p:ext>
-            </p:extLst>
-          </p:nvPr>
-        </p:nvSpPr>
-        <p:spPr>
-          <a:xfrm>
-            <a:off x="446534" y="457200"/>
-            <a:ext cx="3703320" cy="94997"/>
-          </a:xfrm>
-          <a:prstGeom prst="rect">
-            <a:avLst/>
-          </a:prstGeom>
-          <a:solidFill>
-            <a:srgbClr val="465359"/>
-          </a:solidFill>
-          <a:ln>
-            <a:noFill/>
-          </a:ln>
-          <a:effectLst/>
-        </p:spPr>
-        <p:style>
-          <a:lnRef idx="1">
-            <a:schemeClr val="accent1"/>
-          </a:lnRef>
-          <a:fillRef idx="3">
-            <a:schemeClr val="accent1"/>
-          </a:fillRef>
-          <a:effectRef idx="2">
-            <a:schemeClr val="accent1"/>
-          </a:effectRef>
-          <a:fontRef idx="minor">
-            <a:schemeClr val="lt1"/>
-          </a:fontRef>
-        </p:style>
-        <p:txBody>
-          <a:bodyPr/>
-          <a:lstStyle/>
-          <a:p>
-            <a:endParaRPr lang="en-US"/>
-          </a:p>
-        </p:txBody>
-      </p:sp>
-      <p:sp>
-        <p:nvSpPr>
-          <p:cNvPr id="12" name="Rectangle 11">
-            <a:extLst>
-              <a:ext uri="{FF2B5EF4-FFF2-40B4-BE49-F238E27FC236}">
-                <a16:creationId xmlns:a16="http://schemas.microsoft.com/office/drawing/2014/main" id="{B5B90362-AFCC-46A9-B41C-A257A8C5B314}"/>
-              </a:ext>
-              <a:ext uri="{C183D7F6-B498-43B3-948B-1728B52AA6E4}">
-                <adec:decorative xmlns:adec="http://schemas.microsoft.com/office/drawing/2017/decorative" val="1"/>
-              </a:ext>
-            </a:extLst>
-          </p:cNvPr>
-          <p:cNvSpPr>
-            <a:spLocks noGrp="1" noRot="1" noChangeAspect="1" noMove="1" noResize="1" noEditPoints="1" noAdjustHandles="1" noChangeArrowheads="1" noChangeShapeType="1" noTextEdit="1"/>
-          </p:cNvSpPr>
-          <p:nvPr>
-            <p:extLst>
-              <p:ext uri="{386F3935-93C4-4BCD-93E2-E3B085C9AB24}">
-                <p16:designElem xmlns:p16="http://schemas.microsoft.com/office/powerpoint/2015/main" val="1"/>
-              </p:ext>
-            </p:extLst>
-          </p:nvPr>
-        </p:nvSpPr>
-        <p:spPr>
-          <a:xfrm>
-            <a:off x="8042147" y="453643"/>
-            <a:ext cx="3703320" cy="98554"/>
-          </a:xfrm>
-          <a:prstGeom prst="rect">
-            <a:avLst/>
-          </a:prstGeom>
-          <a:solidFill>
-            <a:srgbClr val="969FA7"/>
-          </a:solidFill>
-          <a:ln>
-            <a:noFill/>
-          </a:ln>
-          <a:effectLst/>
-        </p:spPr>
-        <p:style>
-          <a:lnRef idx="1">
-            <a:schemeClr val="accent1"/>
-          </a:lnRef>
-          <a:fillRef idx="3">
-            <a:schemeClr val="accent1"/>
-          </a:fillRef>
-          <a:effectRef idx="2">
-            <a:schemeClr val="accent1"/>
-          </a:effectRef>
-          <a:fontRef idx="minor">
-            <a:schemeClr val="lt1"/>
-          </a:fontRef>
-        </p:style>
-        <p:txBody>
-          <a:bodyPr/>
-          <a:lstStyle/>
-          <a:p>
-            <a:endParaRPr lang="en-US"/>
-          </a:p>
-        </p:txBody>
-      </p:sp>
-      <p:sp>
-        <p:nvSpPr>
-          <p:cNvPr id="14" name="Rectangle 13">
-            <a:extLst>
-              <a:ext uri="{FF2B5EF4-FFF2-40B4-BE49-F238E27FC236}">
-                <a16:creationId xmlns:a16="http://schemas.microsoft.com/office/drawing/2014/main" id="{F71EF7F1-38BA-471D-8CD4-2A9AE8E35527}"/>
-              </a:ext>
-              <a:ext uri="{C183D7F6-B498-43B3-948B-1728B52AA6E4}">
-                <adec:decorative xmlns:adec="http://schemas.microsoft.com/office/drawing/2017/decorative" val="1"/>
-              </a:ext>
-            </a:extLst>
-          </p:cNvPr>
-          <p:cNvSpPr>
-            <a:spLocks noGrp="1" noRot="1" noChangeAspect="1" noMove="1" noResize="1" noEditPoints="1" noAdjustHandles="1" noChangeArrowheads="1" noChangeShapeType="1" noTextEdit="1"/>
-          </p:cNvSpPr>
-          <p:nvPr>
-            <p:extLst>
-              <p:ext uri="{386F3935-93C4-4BCD-93E2-E3B085C9AB24}">
-                <p16:designElem xmlns:p16="http://schemas.microsoft.com/office/powerpoint/2015/main" val="1"/>
-              </p:ext>
-            </p:extLst>
-          </p:nvPr>
-        </p:nvSpPr>
-        <p:spPr>
-          <a:xfrm>
-            <a:off x="4241830" y="457200"/>
-            <a:ext cx="3703320" cy="91440"/>
-          </a:xfrm>
-          <a:prstGeom prst="rect">
-            <a:avLst/>
-          </a:prstGeom>
-          <a:solidFill>
-            <a:schemeClr val="accent1"/>
-          </a:solidFill>
-          <a:ln>
-            <a:noFill/>
-          </a:ln>
-          <a:effectLst/>
-        </p:spPr>
-        <p:style>
-          <a:lnRef idx="1">
-            <a:schemeClr val="accent1"/>
-          </a:lnRef>
-          <a:fillRef idx="3">
-            <a:schemeClr val="accent1"/>
-          </a:fillRef>
-          <a:effectRef idx="2">
-            <a:schemeClr val="accent1"/>
-          </a:effectRef>
-          <a:fontRef idx="minor">
-            <a:schemeClr val="lt1"/>
-          </a:fontRef>
-        </p:style>
-        <p:txBody>
-          <a:bodyPr/>
-          <a:lstStyle/>
-          <a:p>
-            <a:endParaRPr lang="en-US"/>
-          </a:p>
-        </p:txBody>
-      </p:sp>
-      <p:sp>
-        <p:nvSpPr>
-          <p:cNvPr id="16" name="Rectangle 15">
-            <a:extLst>
-              <a:ext uri="{FF2B5EF4-FFF2-40B4-BE49-F238E27FC236}">
-                <a16:creationId xmlns:a16="http://schemas.microsoft.com/office/drawing/2014/main" id="{1BB56EB9-078F-4952-AC1F-149C7A0AE4D5}"/>
-              </a:ext>
-              <a:ext uri="{C183D7F6-B498-43B3-948B-1728B52AA6E4}">
-                <adec:decorative xmlns:adec="http://schemas.microsoft.com/office/drawing/2017/decorative" val="1"/>
-              </a:ext>
-            </a:extLst>
-          </p:cNvPr>
-          <p:cNvSpPr>
-            <a:spLocks noGrp="1" noRot="1" noChangeAspect="1" noMove="1" noResize="1" noEditPoints="1" noAdjustHandles="1" noChangeArrowheads="1" noChangeShapeType="1" noTextEdit="1"/>
-          </p:cNvSpPr>
-          <p:nvPr>
-            <p:extLst>
-              <p:ext uri="{386F3935-93C4-4BCD-93E2-E3B085C9AB24}">
-                <p16:designElem xmlns:p16="http://schemas.microsoft.com/office/powerpoint/2015/main" val="1"/>
-              </p:ext>
-            </p:extLst>
-          </p:nvPr>
-        </p:nvSpPr>
-        <p:spPr>
-          <a:xfrm>
-            <a:off x="0" y="0"/>
-            <a:ext cx="12192000" cy="6858000"/>
-          </a:xfrm>
-          <a:prstGeom prst="rect">
-            <a:avLst/>
-          </a:prstGeom>
-          <a:solidFill>
-            <a:schemeClr val="tx1"/>
-          </a:solidFill>
-          <a:ln>
-            <a:noFill/>
-          </a:ln>
-        </p:spPr>
-        <p:style>
-          <a:lnRef idx="2">
-            <a:schemeClr val="accent1">
-              <a:shade val="50000"/>
-            </a:schemeClr>
-          </a:lnRef>
-          <a:fillRef idx="1">
-            <a:schemeClr val="accent1"/>
-          </a:fillRef>
-          <a:effectRef idx="0">
-            <a:schemeClr val="accent1"/>
-          </a:effectRef>
-          <a:fontRef idx="minor">
-            <a:schemeClr val="lt1"/>
-          </a:fontRef>
-        </p:style>
-        <p:txBody>
-          <a:bodyPr rtlCol="0" anchor="ctr"/>
-          <a:lstStyle/>
-          <a:p>
-            <a:pPr algn="ctr"/>
-            <a:endParaRPr lang="en-US"/>
-          </a:p>
-        </p:txBody>
-      </p:sp>
-      <p:sp>
-        <p:nvSpPr>
-          <p:cNvPr id="18" name="Rectangle 17">
-            <a:extLst>
-              <a:ext uri="{FF2B5EF4-FFF2-40B4-BE49-F238E27FC236}">
-                <a16:creationId xmlns:a16="http://schemas.microsoft.com/office/drawing/2014/main" id="{D3772EE4-ED5E-4D3A-A306-B22CF866786D}"/>
-              </a:ext>
-              <a:ext uri="{C183D7F6-B498-43B3-948B-1728B52AA6E4}">
-                <adec:decorative xmlns:adec="http://schemas.microsoft.com/office/drawing/2017/decorative" val="1"/>
-              </a:ext>
-            </a:extLst>
-          </p:cNvPr>
-          <p:cNvSpPr>
-            <a:spLocks noGrp="1" noRot="1" noChangeAspect="1" noMove="1" noResize="1" noEditPoints="1" noAdjustHandles="1" noChangeArrowheads="1" noChangeShapeType="1" noTextEdit="1"/>
-          </p:cNvSpPr>
-          <p:nvPr>
-            <p:extLst>
-              <p:ext uri="{386F3935-93C4-4BCD-93E2-E3B085C9AB24}">
-                <p16:designElem xmlns:p16="http://schemas.microsoft.com/office/powerpoint/2015/main" val="1"/>
-              </p:ext>
-            </p:extLst>
-          </p:nvPr>
-        </p:nvSpPr>
-        <p:spPr>
-          <a:xfrm>
-            <a:off x="446534" y="601200"/>
-            <a:ext cx="3703320" cy="5789365"/>
-          </a:xfrm>
-          <a:prstGeom prst="rect">
-            <a:avLst/>
-          </a:prstGeom>
-          <a:solidFill>
-            <a:srgbClr val="465359"/>
-          </a:solidFill>
-          <a:ln>
-            <a:noFill/>
-          </a:ln>
-          <a:effectLst/>
-        </p:spPr>
-        <p:style>
-          <a:lnRef idx="1">
-            <a:schemeClr val="accent1"/>
-          </a:lnRef>
-          <a:fillRef idx="3">
-            <a:schemeClr val="accent1"/>
-          </a:fillRef>
-          <a:effectRef idx="2">
-            <a:schemeClr val="accent1"/>
-          </a:effectRef>
-          <a:fontRef idx="minor">
-            <a:schemeClr val="lt1"/>
-          </a:fontRef>
-        </p:style>
-        <p:txBody>
-          <a:bodyPr/>
-          <a:lstStyle/>
-          <a:p>
-            <a:endParaRPr lang="en-US"/>
-          </a:p>
-        </p:txBody>
-      </p:sp>
-      <p:sp>
-        <p:nvSpPr>
-          <p:cNvPr id="2" name="Title 1">
-            <a:extLst>
-              <a:ext uri="{FF2B5EF4-FFF2-40B4-BE49-F238E27FC236}">
-                <a16:creationId xmlns:a16="http://schemas.microsoft.com/office/drawing/2014/main" id="{8597E538-C15D-E32A-F9D7-9467A9473A09}"/>
-              </a:ext>
-            </a:extLst>
-          </p:cNvPr>
-          <p:cNvSpPr>
-            <a:spLocks noGrp="1"/>
-          </p:cNvSpPr>
-          <p:nvPr>
-            <p:ph type="title"/>
-          </p:nvPr>
-        </p:nvSpPr>
-        <p:spPr>
-          <a:xfrm>
-            <a:off x="672280" y="944752"/>
-            <a:ext cx="3259016" cy="1462692"/>
-          </a:xfrm>
-        </p:spPr>
-        <p:txBody>
-          <a:bodyPr vert="horz" lIns="91440" tIns="45720" rIns="91440" bIns="45720" rtlCol="0" anchor="b">
-            <a:normAutofit/>
-          </a:bodyPr>
-          <a:lstStyle/>
-          <a:p>
-            <a:r>
-              <a:rPr lang="en-US" b="0" kern="1200" cap="all">
-                <a:solidFill>
-                  <a:srgbClr val="FFFFFF"/>
-                </a:solidFill>
-                <a:latin typeface="+mj-lt"/>
-                <a:ea typeface="+mj-ea"/>
-                <a:cs typeface="+mj-cs"/>
-              </a:rPr>
-              <a:t>Exercise 3: Use the Help Tab</a:t>
-            </a:r>
-          </a:p>
-        </p:txBody>
-      </p:sp>
-      <p:sp>
-        <p:nvSpPr>
-          <p:cNvPr id="20" name="Rectangle 19">
-            <a:extLst>
-              <a:ext uri="{FF2B5EF4-FFF2-40B4-BE49-F238E27FC236}">
-                <a16:creationId xmlns:a16="http://schemas.microsoft.com/office/drawing/2014/main" id="{10058680-D07C-4893-B2B7-91543F18AB32}"/>
-              </a:ext>
-              <a:ext uri="{C183D7F6-B498-43B3-948B-1728B52AA6E4}">
-                <adec:decorative xmlns:adec="http://schemas.microsoft.com/office/drawing/2017/decorative" val="1"/>
-              </a:ext>
-            </a:extLst>
-          </p:cNvPr>
-          <p:cNvSpPr>
-            <a:spLocks noGrp="1" noRot="1" noChangeAspect="1" noMove="1" noResize="1" noEditPoints="1" noAdjustHandles="1" noChangeArrowheads="1" noChangeShapeType="1" noTextEdit="1"/>
-          </p:cNvSpPr>
-          <p:nvPr>
-            <p:extLst>
-              <p:ext uri="{386F3935-93C4-4BCD-93E2-E3B085C9AB24}">
-                <p16:designElem xmlns:p16="http://schemas.microsoft.com/office/powerpoint/2015/main" val="1"/>
-              </p:ext>
-            </p:extLst>
-          </p:nvPr>
-        </p:nvSpPr>
-        <p:spPr>
-          <a:xfrm>
-            <a:off x="446534" y="457200"/>
-            <a:ext cx="3703320" cy="94997"/>
-          </a:xfrm>
-          <a:prstGeom prst="rect">
-            <a:avLst/>
-          </a:prstGeom>
-          <a:solidFill>
-            <a:srgbClr val="465359"/>
-          </a:solidFill>
-          <a:ln>
-            <a:noFill/>
-          </a:ln>
-          <a:effectLst/>
-        </p:spPr>
-        <p:style>
-          <a:lnRef idx="1">
-            <a:schemeClr val="accent1"/>
-          </a:lnRef>
-          <a:fillRef idx="3">
-            <a:schemeClr val="accent1"/>
-          </a:fillRef>
-          <a:effectRef idx="2">
-            <a:schemeClr val="accent1"/>
-          </a:effectRef>
-          <a:fontRef idx="minor">
-            <a:schemeClr val="lt1"/>
-          </a:fontRef>
-        </p:style>
-        <p:txBody>
-          <a:bodyPr/>
-          <a:lstStyle/>
-          <a:p>
-            <a:endParaRPr lang="en-US"/>
-          </a:p>
-        </p:txBody>
-      </p:sp>
-      <p:sp>
-        <p:nvSpPr>
-          <p:cNvPr id="22" name="Rectangle 21">
-            <a:extLst>
-              <a:ext uri="{FF2B5EF4-FFF2-40B4-BE49-F238E27FC236}">
-                <a16:creationId xmlns:a16="http://schemas.microsoft.com/office/drawing/2014/main" id="{7B42427A-0A1F-4A55-8705-D9179F1E0CFB}"/>
-              </a:ext>
-              <a:ext uri="{C183D7F6-B498-43B3-948B-1728B52AA6E4}">
-                <adec:decorative xmlns:adec="http://schemas.microsoft.com/office/drawing/2017/decorative" val="1"/>
-              </a:ext>
-            </a:extLst>
-          </p:cNvPr>
-          <p:cNvSpPr>
-            <a:spLocks noGrp="1" noRot="1" noChangeAspect="1" noMove="1" noResize="1" noEditPoints="1" noAdjustHandles="1" noChangeArrowheads="1" noChangeShapeType="1" noTextEdit="1"/>
-          </p:cNvSpPr>
-          <p:nvPr>
-            <p:extLst>
-              <p:ext uri="{386F3935-93C4-4BCD-93E2-E3B085C9AB24}">
-                <p16:designElem xmlns:p16="http://schemas.microsoft.com/office/powerpoint/2015/main" val="1"/>
-              </p:ext>
-            </p:extLst>
-          </p:nvPr>
-        </p:nvSpPr>
-        <p:spPr>
-          <a:xfrm>
-            <a:off x="4241830" y="457200"/>
-            <a:ext cx="3703320" cy="91440"/>
-          </a:xfrm>
-          <a:prstGeom prst="rect">
-            <a:avLst/>
-          </a:prstGeom>
-          <a:solidFill>
-            <a:schemeClr val="accent1"/>
-          </a:solidFill>
-          <a:ln>
-            <a:noFill/>
-          </a:ln>
-          <a:effectLst/>
-        </p:spPr>
-        <p:style>
-          <a:lnRef idx="1">
-            <a:schemeClr val="accent1"/>
-          </a:lnRef>
-          <a:fillRef idx="3">
-            <a:schemeClr val="accent1"/>
-          </a:fillRef>
-          <a:effectRef idx="2">
-            <a:schemeClr val="accent1"/>
-          </a:effectRef>
-          <a:fontRef idx="minor">
-            <a:schemeClr val="lt1"/>
-          </a:fontRef>
-        </p:style>
-        <p:txBody>
-          <a:bodyPr/>
-          <a:lstStyle/>
-          <a:p>
-            <a:endParaRPr lang="en-US" dirty="0"/>
-          </a:p>
-        </p:txBody>
-      </p:sp>
-      <p:sp>
-        <p:nvSpPr>
-          <p:cNvPr id="24" name="Rectangle 23">
-            <a:extLst>
-              <a:ext uri="{FF2B5EF4-FFF2-40B4-BE49-F238E27FC236}">
-                <a16:creationId xmlns:a16="http://schemas.microsoft.com/office/drawing/2014/main" id="{EE54A6FE-D8CB-48A3-900B-053D4EBD3B85}"/>
-              </a:ext>
-              <a:ext uri="{C183D7F6-B498-43B3-948B-1728B52AA6E4}">
-                <adec:decorative xmlns:adec="http://schemas.microsoft.com/office/drawing/2017/decorative" val="1"/>
-              </a:ext>
-            </a:extLst>
-          </p:cNvPr>
-          <p:cNvSpPr>
-            <a:spLocks noGrp="1" noRot="1" noChangeAspect="1" noMove="1" noResize="1" noEditPoints="1" noAdjustHandles="1" noChangeArrowheads="1" noChangeShapeType="1" noTextEdit="1"/>
-          </p:cNvSpPr>
-          <p:nvPr>
-            <p:extLst>
-              <p:ext uri="{386F3935-93C4-4BCD-93E2-E3B085C9AB24}">
-                <p16:designElem xmlns:p16="http://schemas.microsoft.com/office/powerpoint/2015/main" val="1"/>
-              </p:ext>
-            </p:extLst>
-          </p:nvPr>
-        </p:nvSpPr>
-        <p:spPr>
-          <a:xfrm>
-            <a:off x="8042147" y="453643"/>
-            <a:ext cx="3703320" cy="98554"/>
-          </a:xfrm>
-          <a:prstGeom prst="rect">
-            <a:avLst/>
-          </a:prstGeom>
-          <a:solidFill>
-            <a:srgbClr val="969FA7"/>
-          </a:solidFill>
-          <a:ln>
-            <a:noFill/>
-          </a:ln>
-          <a:effectLst/>
-        </p:spPr>
-        <p:style>
-          <a:lnRef idx="1">
-            <a:schemeClr val="accent1"/>
-          </a:lnRef>
-          <a:fillRef idx="3">
-            <a:schemeClr val="accent1"/>
-          </a:fillRef>
-          <a:effectRef idx="2">
-            <a:schemeClr val="accent1"/>
-          </a:effectRef>
-          <a:fontRef idx="minor">
-            <a:schemeClr val="lt1"/>
-          </a:fontRef>
-        </p:style>
-        <p:txBody>
-          <a:bodyPr/>
-          <a:lstStyle/>
-          <a:p>
-            <a:endParaRPr lang="en-US"/>
-          </a:p>
-        </p:txBody>
-      </p:sp>
-      <p:sp>
-        <p:nvSpPr>
-          <p:cNvPr id="4" name="Content Placeholder 3">
-            <a:extLst>
-              <a:ext uri="{FF2B5EF4-FFF2-40B4-BE49-F238E27FC236}">
-                <a16:creationId xmlns:a16="http://schemas.microsoft.com/office/drawing/2014/main" id="{0D1B84A2-0123-B790-63CB-0AD7AD86E50E}"/>
-              </a:ext>
-            </a:extLst>
-          </p:cNvPr>
-          <p:cNvSpPr>
-            <a:spLocks noGrp="1"/>
-          </p:cNvSpPr>
-          <p:nvPr>
-            <p:ph sz="half" idx="2"/>
-          </p:nvPr>
-        </p:nvSpPr>
-        <p:spPr>
-          <a:xfrm>
-            <a:off x="671513" y="2536031"/>
-            <a:ext cx="3123783" cy="3671936"/>
-          </a:xfrm>
-        </p:spPr>
-        <p:txBody>
-          <a:bodyPr vert="horz" lIns="91440" tIns="45720" rIns="91440" bIns="45720" rtlCol="0" anchor="t">
-            <a:normAutofit/>
-          </a:bodyPr>
-          <a:lstStyle/>
-          <a:p>
-            <a:r>
-              <a:rPr lang="en-US">
-                <a:solidFill>
-                  <a:srgbClr val="FFFFFF"/>
-                </a:solidFill>
-              </a:rPr>
-              <a:t>Search for Help</a:t>
-            </a:r>
-          </a:p>
-          <a:p>
-            <a:pPr lvl="1"/>
-            <a:r>
-              <a:rPr lang="en-US">
-                <a:solidFill>
-                  <a:srgbClr val="FFFFFF"/>
-                </a:solidFill>
-              </a:rPr>
-              <a:t>Use the Help tab to look up information about the ggplot() function from the ggplot2 package.</a:t>
-            </a:r>
-          </a:p>
-          <a:p>
-            <a:r>
-              <a:rPr lang="en-US">
-                <a:solidFill>
-                  <a:srgbClr val="FFFFFF"/>
-                </a:solidFill>
-              </a:rPr>
-              <a:t>Read the Documentation</a:t>
-            </a:r>
-          </a:p>
-          <a:p>
-            <a:pPr lvl="1"/>
-            <a:r>
-              <a:rPr lang="en-US">
-                <a:solidFill>
-                  <a:srgbClr val="FFFFFF"/>
-                </a:solidFill>
-              </a:rPr>
-              <a:t>Spend some time reading the examples provided in the documentation.</a:t>
-            </a:r>
-          </a:p>
-          <a:p>
-            <a:pPr lvl="1"/>
-            <a:r>
-              <a:rPr lang="en-US">
-                <a:solidFill>
-                  <a:srgbClr val="FFFFFF"/>
-                </a:solidFill>
-              </a:rPr>
-              <a:t>Try to understand the basic usage of the ggplot() function.</a:t>
-            </a:r>
-          </a:p>
-        </p:txBody>
-      </p:sp>
-      <p:pic>
-        <p:nvPicPr>
-          <p:cNvPr id="5" name="Content Placeholder 4" descr="monitor shows open book with magnifying glass and question mark, isolated on white background">
-            <a:extLst>
-              <a:ext uri="{FF2B5EF4-FFF2-40B4-BE49-F238E27FC236}">
-                <a16:creationId xmlns:a16="http://schemas.microsoft.com/office/drawing/2014/main" id="{B121F69A-0784-459D-A93F-A2677397BBBA}"/>
-              </a:ext>
-            </a:extLst>
-          </p:cNvPr>
-          <p:cNvPicPr>
-            <a:picLocks noGrp="1" noChangeAspect="1"/>
-          </p:cNvPicPr>
-          <p:nvPr>
-            <p:ph sz="half" idx="1"/>
-          </p:nvPr>
-        </p:nvPicPr>
-        <p:blipFill rotWithShape="1">
-          <a:blip r:embed="rId3"/>
-          <a:srcRect l="6759" r="6726"/>
-          <a:stretch/>
-        </p:blipFill>
-        <p:spPr>
-          <a:xfrm>
-            <a:off x="4241830" y="601200"/>
-            <a:ext cx="7503636" cy="5789365"/>
-          </a:xfrm>
-          <a:prstGeom prst="rect">
-            <a:avLst/>
-          </a:prstGeom>
-        </p:spPr>
-      </p:pic>
-    </p:spTree>
-    <p:extLst>
-      <p:ext uri="{BB962C8B-B14F-4D97-AF65-F5344CB8AC3E}">
-        <p14:creationId xmlns:p14="http://schemas.microsoft.com/office/powerpoint/2010/main" val="2638193138"/>
-      </p:ext>
-    </p:extLst>
-  </p:cSld>
-  <p:clrMapOvr>
-    <a:overrideClrMapping bg1="dk1" tx1="lt1" bg2="dk2" tx2="lt2" accent1="accent1" accent2="accent2" accent3="accent3" accent4="accent4" accent5="accent5" accent6="accent6" hlink="hlink" folHlink="folHlink"/>
-  </p:clrMapOvr>
-</p:sld>
-</file>
-
-<file path=ppt/slides/slide24.xml><?xml version="1.0" encoding="utf-8"?>
-<p:sld xmlns:a="http://schemas.openxmlformats.org/drawingml/2006/main" xmlns:r="http://schemas.openxmlformats.org/officeDocument/2006/relationships" xmlns:p="http://schemas.openxmlformats.org/presentationml/2006/main">
-  <p:cSld>
-    <p:bg>
-      <p:bgPr>
-        <a:solidFill>
-          <a:schemeClr val="bg1"/>
-        </a:solidFill>
-        <a:effectLst/>
-      </p:bgPr>
-    </p:bg>
-    <p:spTree>
-      <p:nvGrpSpPr>
-        <p:cNvPr id="1" name=""/>
-        <p:cNvGrpSpPr/>
-        <p:nvPr/>
-      </p:nvGrpSpPr>
-      <p:grpSpPr>
-        <a:xfrm>
-          <a:off x="0" y="0"/>
-          <a:ext cx="0" cy="0"/>
-          <a:chOff x="0" y="0"/>
-          <a:chExt cx="0" cy="0"/>
-        </a:xfrm>
-      </p:grpSpPr>
-      <p:sp useBgFill="1">
-        <p:nvSpPr>
-          <p:cNvPr id="8" name="Rectangle 7">
-            <a:extLst>
-              <a:ext uri="{FF2B5EF4-FFF2-40B4-BE49-F238E27FC236}">
-                <a16:creationId xmlns:a16="http://schemas.microsoft.com/office/drawing/2014/main" id="{F858DF7D-C2D0-4B03-A7A0-2F06B789EE35}"/>
-              </a:ext>
-              <a:ext uri="{C183D7F6-B498-43B3-948B-1728B52AA6E4}">
-                <adec:decorative xmlns:adec="http://schemas.microsoft.com/office/drawing/2017/decorative" val="1"/>
-              </a:ext>
-            </a:extLst>
-          </p:cNvPr>
-          <p:cNvSpPr>
-            <a:spLocks noGrp="1" noRot="1" noChangeAspect="1" noMove="1" noResize="1" noEditPoints="1" noAdjustHandles="1" noChangeArrowheads="1" noChangeShapeType="1" noTextEdit="1"/>
-          </p:cNvSpPr>
-          <p:nvPr>
-            <p:extLst>
-              <p:ext uri="{386F3935-93C4-4BCD-93E2-E3B085C9AB24}">
-                <p16:designElem xmlns:p16="http://schemas.microsoft.com/office/powerpoint/2015/main" val="1"/>
-              </p:ext>
-            </p:extLst>
-          </p:nvPr>
-        </p:nvSpPr>
-        <p:spPr>
-          <a:xfrm>
-            <a:off x="0" y="0"/>
-            <a:ext cx="12191999" cy="6858001"/>
-          </a:xfrm>
-          <a:prstGeom prst="rect">
-            <a:avLst/>
-          </a:prstGeom>
-          <a:ln>
-            <a:noFill/>
-          </a:ln>
-        </p:spPr>
-        <p:style>
-          <a:lnRef idx="2">
-            <a:schemeClr val="accent1">
-              <a:shade val="50000"/>
-            </a:schemeClr>
-          </a:lnRef>
-          <a:fillRef idx="1">
-            <a:schemeClr val="accent1"/>
-          </a:fillRef>
-          <a:effectRef idx="0">
-            <a:schemeClr val="accent1"/>
-          </a:effectRef>
-          <a:fontRef idx="minor">
-            <a:schemeClr val="lt1"/>
-          </a:fontRef>
-        </p:style>
-        <p:txBody>
-          <a:bodyPr rtlCol="0" anchor="ctr"/>
-          <a:lstStyle/>
-          <a:p>
-            <a:pPr algn="ctr"/>
-            <a:endParaRPr lang="en-US"/>
-          </a:p>
-        </p:txBody>
-      </p:sp>
-      <p:sp>
-        <p:nvSpPr>
-          <p:cNvPr id="10" name="Rectangle 9">
-            <a:extLst>
-              <a:ext uri="{FF2B5EF4-FFF2-40B4-BE49-F238E27FC236}">
-                <a16:creationId xmlns:a16="http://schemas.microsoft.com/office/drawing/2014/main" id="{1B26B711-3121-40B0-8377-A64F3DC00C7A}"/>
-              </a:ext>
-              <a:ext uri="{C183D7F6-B498-43B3-948B-1728B52AA6E4}">
-                <adec:decorative xmlns:adec="http://schemas.microsoft.com/office/drawing/2017/decorative" val="1"/>
-              </a:ext>
-            </a:extLst>
-          </p:cNvPr>
-          <p:cNvSpPr>
-            <a:spLocks noGrp="1" noRot="1" noChangeAspect="1" noMove="1" noResize="1" noEditPoints="1" noAdjustHandles="1" noChangeArrowheads="1" noChangeShapeType="1" noTextEdit="1"/>
-          </p:cNvSpPr>
-          <p:nvPr>
-            <p:extLst>
-              <p:ext uri="{386F3935-93C4-4BCD-93E2-E3B085C9AB24}">
-                <p16:designElem xmlns:p16="http://schemas.microsoft.com/office/powerpoint/2015/main" val="1"/>
-              </p:ext>
-            </p:extLst>
-          </p:nvPr>
-        </p:nvSpPr>
-        <p:spPr>
-          <a:xfrm>
-            <a:off x="446534" y="457200"/>
-            <a:ext cx="3703320" cy="94997"/>
-          </a:xfrm>
-          <a:prstGeom prst="rect">
-            <a:avLst/>
-          </a:prstGeom>
-          <a:solidFill>
-            <a:srgbClr val="465359"/>
-          </a:solidFill>
-          <a:ln>
-            <a:noFill/>
-          </a:ln>
-          <a:effectLst/>
-        </p:spPr>
-        <p:style>
-          <a:lnRef idx="1">
-            <a:schemeClr val="accent1"/>
-          </a:lnRef>
-          <a:fillRef idx="3">
-            <a:schemeClr val="accent1"/>
-          </a:fillRef>
-          <a:effectRef idx="2">
-            <a:schemeClr val="accent1"/>
-          </a:effectRef>
-          <a:fontRef idx="minor">
-            <a:schemeClr val="lt1"/>
-          </a:fontRef>
-        </p:style>
-        <p:txBody>
-          <a:bodyPr/>
-          <a:lstStyle/>
-          <a:p>
-            <a:endParaRPr lang="en-US"/>
-          </a:p>
-        </p:txBody>
-      </p:sp>
-      <p:sp>
-        <p:nvSpPr>
-          <p:cNvPr id="12" name="Rectangle 11">
-            <a:extLst>
-              <a:ext uri="{FF2B5EF4-FFF2-40B4-BE49-F238E27FC236}">
-                <a16:creationId xmlns:a16="http://schemas.microsoft.com/office/drawing/2014/main" id="{645C4D3D-ABBA-4B4E-93E5-01E343719849}"/>
-              </a:ext>
-              <a:ext uri="{C183D7F6-B498-43B3-948B-1728B52AA6E4}">
-                <adec:decorative xmlns:adec="http://schemas.microsoft.com/office/drawing/2017/decorative" val="1"/>
-              </a:ext>
-            </a:extLst>
-          </p:cNvPr>
-          <p:cNvSpPr>
-            <a:spLocks noGrp="1" noRot="1" noChangeAspect="1" noMove="1" noResize="1" noEditPoints="1" noAdjustHandles="1" noChangeArrowheads="1" noChangeShapeType="1" noTextEdit="1"/>
-          </p:cNvSpPr>
-          <p:nvPr>
-            <p:extLst>
-              <p:ext uri="{386F3935-93C4-4BCD-93E2-E3B085C9AB24}">
-                <p16:designElem xmlns:p16="http://schemas.microsoft.com/office/powerpoint/2015/main" val="1"/>
-              </p:ext>
-            </p:extLst>
-          </p:nvPr>
-        </p:nvSpPr>
-        <p:spPr>
-          <a:xfrm>
-            <a:off x="4241830" y="457200"/>
-            <a:ext cx="3703320" cy="91440"/>
-          </a:xfrm>
-          <a:prstGeom prst="rect">
-            <a:avLst/>
-          </a:prstGeom>
-          <a:solidFill>
-            <a:schemeClr val="accent1"/>
-          </a:solidFill>
-          <a:ln>
-            <a:noFill/>
-          </a:ln>
-          <a:effectLst/>
-        </p:spPr>
-        <p:style>
-          <a:lnRef idx="1">
-            <a:schemeClr val="accent1"/>
-          </a:lnRef>
-          <a:fillRef idx="3">
-            <a:schemeClr val="accent1"/>
-          </a:fillRef>
-          <a:effectRef idx="2">
-            <a:schemeClr val="accent1"/>
-          </a:effectRef>
-          <a:fontRef idx="minor">
-            <a:schemeClr val="lt1"/>
-          </a:fontRef>
-        </p:style>
-        <p:txBody>
-          <a:bodyPr/>
-          <a:lstStyle/>
-          <a:p>
-            <a:endParaRPr lang="en-US"/>
-          </a:p>
-        </p:txBody>
-      </p:sp>
-      <p:sp>
-        <p:nvSpPr>
-          <p:cNvPr id="14" name="Rectangle 13">
-            <a:extLst>
-              <a:ext uri="{FF2B5EF4-FFF2-40B4-BE49-F238E27FC236}">
-                <a16:creationId xmlns:a16="http://schemas.microsoft.com/office/drawing/2014/main" id="{98DDD5E5-0097-4C6C-B266-5732EDA96CC4}"/>
-              </a:ext>
-              <a:ext uri="{C183D7F6-B498-43B3-948B-1728B52AA6E4}">
-                <adec:decorative xmlns:adec="http://schemas.microsoft.com/office/drawing/2017/decorative" val="1"/>
-              </a:ext>
-            </a:extLst>
-          </p:cNvPr>
-          <p:cNvSpPr>
-            <a:spLocks noGrp="1" noRot="1" noChangeAspect="1" noMove="1" noResize="1" noEditPoints="1" noAdjustHandles="1" noChangeArrowheads="1" noChangeShapeType="1" noTextEdit="1"/>
-          </p:cNvSpPr>
-          <p:nvPr>
-            <p:extLst>
-              <p:ext uri="{386F3935-93C4-4BCD-93E2-E3B085C9AB24}">
-                <p16:designElem xmlns:p16="http://schemas.microsoft.com/office/powerpoint/2015/main" val="1"/>
-              </p:ext>
-            </p:extLst>
-          </p:nvPr>
-        </p:nvSpPr>
-        <p:spPr>
-          <a:xfrm>
-            <a:off x="8042147" y="453643"/>
-            <a:ext cx="3703320" cy="98554"/>
-          </a:xfrm>
-          <a:prstGeom prst="rect">
-            <a:avLst/>
-          </a:prstGeom>
-          <a:solidFill>
-            <a:srgbClr val="969FA7"/>
-          </a:solidFill>
-          <a:ln>
-            <a:noFill/>
-          </a:ln>
-          <a:effectLst/>
-        </p:spPr>
-        <p:style>
-          <a:lnRef idx="1">
-            <a:schemeClr val="accent1"/>
-          </a:lnRef>
-          <a:fillRef idx="3">
-            <a:schemeClr val="accent1"/>
-          </a:fillRef>
-          <a:effectRef idx="2">
-            <a:schemeClr val="accent1"/>
-          </a:effectRef>
-          <a:fontRef idx="minor">
-            <a:schemeClr val="lt1"/>
-          </a:fontRef>
-        </p:style>
-        <p:txBody>
-          <a:bodyPr/>
-          <a:lstStyle/>
-          <a:p>
-            <a:endParaRPr lang="en-US"/>
-          </a:p>
-        </p:txBody>
-      </p:sp>
-      <p:sp>
-        <p:nvSpPr>
-          <p:cNvPr id="16" name="Rectangle 15">
-            <a:extLst>
-              <a:ext uri="{FF2B5EF4-FFF2-40B4-BE49-F238E27FC236}">
-                <a16:creationId xmlns:a16="http://schemas.microsoft.com/office/drawing/2014/main" id="{8952EF87-C74F-4D3F-9CAD-EEA1733C9BD0}"/>
-              </a:ext>
-              <a:ext uri="{C183D7F6-B498-43B3-948B-1728B52AA6E4}">
-                <adec:decorative xmlns:adec="http://schemas.microsoft.com/office/drawing/2017/decorative" val="1"/>
-              </a:ext>
-            </a:extLst>
-          </p:cNvPr>
-          <p:cNvSpPr>
-            <a:spLocks noGrp="1" noRot="1" noChangeAspect="1" noMove="1" noResize="1" noEditPoints="1" noAdjustHandles="1" noChangeArrowheads="1" noChangeShapeType="1" noTextEdit="1"/>
-          </p:cNvSpPr>
-          <p:nvPr>
-            <p:extLst>
-              <p:ext uri="{386F3935-93C4-4BCD-93E2-E3B085C9AB24}">
-                <p16:designElem xmlns:p16="http://schemas.microsoft.com/office/powerpoint/2015/main" val="1"/>
-              </p:ext>
-            </p:extLst>
-          </p:nvPr>
-        </p:nvSpPr>
-        <p:spPr>
-          <a:xfrm>
-            <a:off x="446534" y="597643"/>
-            <a:ext cx="3703320" cy="5792922"/>
-          </a:xfrm>
-          <a:prstGeom prst="rect">
-            <a:avLst/>
-          </a:prstGeom>
-          <a:solidFill>
-            <a:srgbClr val="465359"/>
-          </a:solidFill>
-          <a:ln>
-            <a:noFill/>
-          </a:ln>
-          <a:effectLst/>
-        </p:spPr>
-        <p:style>
-          <a:lnRef idx="1">
-            <a:schemeClr val="accent1"/>
-          </a:lnRef>
-          <a:fillRef idx="3">
-            <a:schemeClr val="accent1"/>
-          </a:fillRef>
-          <a:effectRef idx="2">
-            <a:schemeClr val="accent1"/>
-          </a:effectRef>
-          <a:fontRef idx="minor">
-            <a:schemeClr val="lt1"/>
-          </a:fontRef>
-        </p:style>
-        <p:txBody>
-          <a:bodyPr/>
-          <a:lstStyle/>
-          <a:p>
-            <a:endParaRPr lang="en-US"/>
-          </a:p>
-        </p:txBody>
-      </p:sp>
-      <p:sp>
-        <p:nvSpPr>
-          <p:cNvPr id="2" name="Title 1">
-            <a:extLst>
-              <a:ext uri="{FF2B5EF4-FFF2-40B4-BE49-F238E27FC236}">
-                <a16:creationId xmlns:a16="http://schemas.microsoft.com/office/drawing/2014/main" id="{971EE467-3CC5-3793-175F-AC7D6B68A8DF}"/>
-              </a:ext>
-            </a:extLst>
-          </p:cNvPr>
-          <p:cNvSpPr>
-            <a:spLocks noGrp="1"/>
-          </p:cNvSpPr>
-          <p:nvPr>
-            <p:ph type="title"/>
-          </p:nvPr>
-        </p:nvSpPr>
-        <p:spPr>
-          <a:xfrm>
-            <a:off x="771148" y="1037967"/>
-            <a:ext cx="3054091" cy="4709131"/>
-          </a:xfrm>
-        </p:spPr>
-        <p:txBody>
-          <a:bodyPr anchor="ctr">
-            <a:normAutofit/>
-          </a:bodyPr>
-          <a:lstStyle/>
-          <a:p>
-            <a:r>
-              <a:rPr lang="en-US">
-                <a:solidFill>
-                  <a:srgbClr val="FFFEFF"/>
-                </a:solidFill>
-              </a:rPr>
-              <a:t>Exercise 4: Experiment in the Console</a:t>
-            </a:r>
-          </a:p>
-        </p:txBody>
-      </p:sp>
-      <p:sp>
-        <p:nvSpPr>
-          <p:cNvPr id="3" name="Content Placeholder 2">
-            <a:extLst>
-              <a:ext uri="{FF2B5EF4-FFF2-40B4-BE49-F238E27FC236}">
-                <a16:creationId xmlns:a16="http://schemas.microsoft.com/office/drawing/2014/main" id="{71CB265F-20E2-A475-EED1-E65CCD71CAEB}"/>
-              </a:ext>
-            </a:extLst>
-          </p:cNvPr>
-          <p:cNvSpPr>
-            <a:spLocks noGrp="1"/>
-          </p:cNvSpPr>
-          <p:nvPr>
-            <p:ph idx="1"/>
-          </p:nvPr>
-        </p:nvSpPr>
-        <p:spPr>
-          <a:xfrm>
-            <a:off x="4534935" y="1037968"/>
-            <a:ext cx="6725899" cy="4820832"/>
-          </a:xfrm>
-        </p:spPr>
-        <p:txBody>
-          <a:bodyPr>
-            <a:normAutofit/>
-          </a:bodyPr>
-          <a:lstStyle/>
-          <a:p>
-            <a:r>
-              <a:rPr lang="en-US"/>
-              <a:t>Perform Basic Arithmetic</a:t>
-            </a:r>
-          </a:p>
-          <a:p>
-            <a:pPr lvl="1"/>
-            <a:r>
-              <a:rPr lang="en-US"/>
-              <a:t>Use the console to perform operations such as addition, multiplication, and division</a:t>
-            </a:r>
-          </a:p>
-          <a:p>
-            <a:r>
-              <a:rPr lang="en-US"/>
-              <a:t>Use Autocomplete</a:t>
-            </a:r>
-          </a:p>
-          <a:p>
-            <a:pPr lvl="1"/>
-            <a:r>
-              <a:rPr lang="en-US"/>
-              <a:t>Start typing a function name and observe how RStudio suggests functions</a:t>
-            </a:r>
-          </a:p>
-          <a:p>
-            <a:pPr lvl="1"/>
-            <a:r>
-              <a:rPr lang="en-US"/>
-              <a:t>Select the desired function from the list</a:t>
-            </a:r>
-          </a:p>
-          <a:p>
-            <a:r>
-              <a:rPr lang="en-US"/>
-              <a:t>Clear the Console</a:t>
-            </a:r>
-          </a:p>
-          <a:p>
-            <a:pPr lvl="1"/>
-            <a:r>
-              <a:rPr lang="en-US"/>
-              <a:t>Use the broom icon or the keyboard shortcut to clear the console</a:t>
-            </a:r>
-          </a:p>
-        </p:txBody>
-      </p:sp>
-    </p:spTree>
-    <p:extLst>
-      <p:ext uri="{BB962C8B-B14F-4D97-AF65-F5344CB8AC3E}">
-        <p14:creationId xmlns:p14="http://schemas.microsoft.com/office/powerpoint/2010/main" val="2335556944"/>
-      </p:ext>
-    </p:extLst>
-  </p:cSld>
-  <p:clrMapOvr>
-    <a:masterClrMapping/>
-  </p:clrMapOvr>
-</p:sld>
-</file>
-
-<file path=ppt/slides/slide25.xml><?xml version="1.0" encoding="utf-8"?>
 <p:sld xmlns:a="http://schemas.openxmlformats.org/drawingml/2006/main" xmlns:r="http://schemas.openxmlformats.org/officeDocument/2006/relationships" xmlns:p="http://schemas.openxmlformats.org/presentationml/2006/main">
   <p:cSld>
     <p:bg>
